--- a/doc/JobQueue Project.pptx
+++ b/doc/JobQueue Project.pptx
@@ -298,7 +298,7 @@
           <a:p>
             <a:fld id="{C3A32E1B-F241-4B1B-A0AF-6E1A2F474A5F}" type="datetimeFigureOut">
               <a:rPr lang="en-US" smtClean="0"/>
-              <a:t>6/19/2012</a:t>
+              <a:t>7/9/2012</a:t>
             </a:fld>
             <a:endParaRPr lang="en-US"/>
           </a:p>
@@ -468,7 +468,7 @@
           <a:p>
             <a:fld id="{C3A32E1B-F241-4B1B-A0AF-6E1A2F474A5F}" type="datetimeFigureOut">
               <a:rPr lang="en-US" smtClean="0"/>
-              <a:t>6/19/2012</a:t>
+              <a:t>7/9/2012</a:t>
             </a:fld>
             <a:endParaRPr lang="en-US"/>
           </a:p>
@@ -648,7 +648,7 @@
           <a:p>
             <a:fld id="{C3A32E1B-F241-4B1B-A0AF-6E1A2F474A5F}" type="datetimeFigureOut">
               <a:rPr lang="en-US" smtClean="0"/>
-              <a:t>6/19/2012</a:t>
+              <a:t>7/9/2012</a:t>
             </a:fld>
             <a:endParaRPr lang="en-US"/>
           </a:p>
@@ -818,7 +818,7 @@
           <a:p>
             <a:fld id="{C3A32E1B-F241-4B1B-A0AF-6E1A2F474A5F}" type="datetimeFigureOut">
               <a:rPr lang="en-US" smtClean="0"/>
-              <a:t>6/19/2012</a:t>
+              <a:t>7/9/2012</a:t>
             </a:fld>
             <a:endParaRPr lang="en-US"/>
           </a:p>
@@ -1064,7 +1064,7 @@
           <a:p>
             <a:fld id="{C3A32E1B-F241-4B1B-A0AF-6E1A2F474A5F}" type="datetimeFigureOut">
               <a:rPr lang="en-US" smtClean="0"/>
-              <a:t>6/19/2012</a:t>
+              <a:t>7/9/2012</a:t>
             </a:fld>
             <a:endParaRPr lang="en-US"/>
           </a:p>
@@ -1352,7 +1352,7 @@
           <a:p>
             <a:fld id="{C3A32E1B-F241-4B1B-A0AF-6E1A2F474A5F}" type="datetimeFigureOut">
               <a:rPr lang="en-US" smtClean="0"/>
-              <a:t>6/19/2012</a:t>
+              <a:t>7/9/2012</a:t>
             </a:fld>
             <a:endParaRPr lang="en-US"/>
           </a:p>
@@ -1774,7 +1774,7 @@
           <a:p>
             <a:fld id="{C3A32E1B-F241-4B1B-A0AF-6E1A2F474A5F}" type="datetimeFigureOut">
               <a:rPr lang="en-US" smtClean="0"/>
-              <a:t>6/19/2012</a:t>
+              <a:t>7/9/2012</a:t>
             </a:fld>
             <a:endParaRPr lang="en-US"/>
           </a:p>
@@ -1892,7 +1892,7 @@
           <a:p>
             <a:fld id="{C3A32E1B-F241-4B1B-A0AF-6E1A2F474A5F}" type="datetimeFigureOut">
               <a:rPr lang="en-US" smtClean="0"/>
-              <a:t>6/19/2012</a:t>
+              <a:t>7/9/2012</a:t>
             </a:fld>
             <a:endParaRPr lang="en-US"/>
           </a:p>
@@ -1987,7 +1987,7 @@
           <a:p>
             <a:fld id="{C3A32E1B-F241-4B1B-A0AF-6E1A2F474A5F}" type="datetimeFigureOut">
               <a:rPr lang="en-US" smtClean="0"/>
-              <a:t>6/19/2012</a:t>
+              <a:t>7/9/2012</a:t>
             </a:fld>
             <a:endParaRPr lang="en-US"/>
           </a:p>
@@ -2264,7 +2264,7 @@
           <a:p>
             <a:fld id="{C3A32E1B-F241-4B1B-A0AF-6E1A2F474A5F}" type="datetimeFigureOut">
               <a:rPr lang="en-US" smtClean="0"/>
-              <a:t>6/19/2012</a:t>
+              <a:t>7/9/2012</a:t>
             </a:fld>
             <a:endParaRPr lang="en-US"/>
           </a:p>
@@ -2517,7 +2517,7 @@
           <a:p>
             <a:fld id="{C3A32E1B-F241-4B1B-A0AF-6E1A2F474A5F}" type="datetimeFigureOut">
               <a:rPr lang="en-US" smtClean="0"/>
-              <a:t>6/19/2012</a:t>
+              <a:t>7/9/2012</a:t>
             </a:fld>
             <a:endParaRPr lang="en-US"/>
           </a:p>
@@ -2730,7 +2730,7 @@
           <a:p>
             <a:fld id="{C3A32E1B-F241-4B1B-A0AF-6E1A2F474A5F}" type="datetimeFigureOut">
               <a:rPr lang="en-US" smtClean="0"/>
-              <a:t>6/19/2012</a:t>
+              <a:t>7/9/2012</a:t>
             </a:fld>
             <a:endParaRPr lang="en-US"/>
           </a:p>
@@ -6663,14 +6663,19 @@
         <p:spPr/>
         <p:txBody>
           <a:bodyPr>
-            <a:normAutofit lnSpcReduction="10000"/>
+            <a:normAutofit fontScale="92500" lnSpcReduction="10000"/>
           </a:bodyPr>
           <a:lstStyle/>
           <a:p>
             <a:r>
               <a:rPr lang="en-US" dirty="0" smtClean="0"/>
-              <a:t>Collection of Job subclasses</a:t>
-            </a:r>
+              <a:t>Collection of Job </a:t>
+            </a:r>
+            <a:r>
+              <a:rPr lang="en-US" dirty="0" smtClean="0"/>
+              <a:t>subclasses and Job Group subclasses.</a:t>
+            </a:r>
+            <a:endParaRPr lang="en-US" dirty="0" smtClean="0"/>
           </a:p>
           <a:p>
             <a:r>
@@ -6702,8 +6707,16 @@
             <a:pPr lvl="1"/>
             <a:r>
               <a:rPr lang="en-US" dirty="0" smtClean="0"/>
-              <a:t>Libraries are scanned to find the owner of the job.</a:t>
-            </a:r>
+              <a:t>Libraries are scanned to find the owner of the </a:t>
+            </a:r>
+            <a:r>
+              <a:rPr lang="en-US" dirty="0" smtClean="0"/>
+              <a:t>job.</a:t>
+            </a:r>
+          </a:p>
+          <a:p>
+            <a:pPr lvl="1"/>
+            <a:endParaRPr lang="en-US" dirty="0" smtClean="0"/>
           </a:p>
         </p:txBody>
       </p:sp>
@@ -6805,8 +6818,17 @@
             <a:pPr lvl="1"/>
             <a:r>
               <a:rPr lang="en-US" dirty="0" smtClean="0"/>
-              <a:t>Insert job (returns Job Id)</a:t>
-            </a:r>
+              <a:t>Insert job (returns Job Id</a:t>
+            </a:r>
+            <a:r>
+              <a:rPr lang="en-US" dirty="0" smtClean="0"/>
+              <a:t>) or Job Group (</a:t>
+            </a:r>
+            <a:r>
+              <a:rPr lang="en-US" smtClean="0"/>
+              <a:t>returns array of Job Ids)</a:t>
+            </a:r>
+            <a:endParaRPr lang="en-US" dirty="0" smtClean="0"/>
           </a:p>
           <a:p>
             <a:pPr lvl="1"/>

--- a/doc/JobQueue Project.pptx
+++ b/doc/JobQueue Project.pptx
@@ -9,13 +9,14 @@
     <p:sldId id="264" r:id="rId3"/>
     <p:sldId id="257" r:id="rId4"/>
     <p:sldId id="258" r:id="rId5"/>
-    <p:sldId id="260" r:id="rId6"/>
-    <p:sldId id="259" r:id="rId7"/>
-    <p:sldId id="261" r:id="rId8"/>
-    <p:sldId id="262" r:id="rId9"/>
-    <p:sldId id="266" r:id="rId10"/>
-    <p:sldId id="265" r:id="rId11"/>
-    <p:sldId id="263" r:id="rId12"/>
+    <p:sldId id="267" r:id="rId6"/>
+    <p:sldId id="260" r:id="rId7"/>
+    <p:sldId id="259" r:id="rId8"/>
+    <p:sldId id="261" r:id="rId9"/>
+    <p:sldId id="262" r:id="rId10"/>
+    <p:sldId id="266" r:id="rId11"/>
+    <p:sldId id="265" r:id="rId12"/>
+    <p:sldId id="263" r:id="rId13"/>
   </p:sldIdLst>
   <p:sldSz cx="9144000" cy="6858000" type="screen4x3"/>
   <p:notesSz cx="6858000" cy="9144000"/>
@@ -298,7 +299,7 @@
           <a:p>
             <a:fld id="{C3A32E1B-F241-4B1B-A0AF-6E1A2F474A5F}" type="datetimeFigureOut">
               <a:rPr lang="en-US" smtClean="0"/>
-              <a:t>7/9/2012</a:t>
+              <a:t>7/14/2012</a:t>
             </a:fld>
             <a:endParaRPr lang="en-US"/>
           </a:p>
@@ -468,7 +469,7 @@
           <a:p>
             <a:fld id="{C3A32E1B-F241-4B1B-A0AF-6E1A2F474A5F}" type="datetimeFigureOut">
               <a:rPr lang="en-US" smtClean="0"/>
-              <a:t>7/9/2012</a:t>
+              <a:t>7/14/2012</a:t>
             </a:fld>
             <a:endParaRPr lang="en-US"/>
           </a:p>
@@ -648,7 +649,7 @@
           <a:p>
             <a:fld id="{C3A32E1B-F241-4B1B-A0AF-6E1A2F474A5F}" type="datetimeFigureOut">
               <a:rPr lang="en-US" smtClean="0"/>
-              <a:t>7/9/2012</a:t>
+              <a:t>7/14/2012</a:t>
             </a:fld>
             <a:endParaRPr lang="en-US"/>
           </a:p>
@@ -818,7 +819,7 @@
           <a:p>
             <a:fld id="{C3A32E1B-F241-4B1B-A0AF-6E1A2F474A5F}" type="datetimeFigureOut">
               <a:rPr lang="en-US" smtClean="0"/>
-              <a:t>7/9/2012</a:t>
+              <a:t>7/14/2012</a:t>
             </a:fld>
             <a:endParaRPr lang="en-US"/>
           </a:p>
@@ -1064,7 +1065,7 @@
           <a:p>
             <a:fld id="{C3A32E1B-F241-4B1B-A0AF-6E1A2F474A5F}" type="datetimeFigureOut">
               <a:rPr lang="en-US" smtClean="0"/>
-              <a:t>7/9/2012</a:t>
+              <a:t>7/14/2012</a:t>
             </a:fld>
             <a:endParaRPr lang="en-US"/>
           </a:p>
@@ -1352,7 +1353,7 @@
           <a:p>
             <a:fld id="{C3A32E1B-F241-4B1B-A0AF-6E1A2F474A5F}" type="datetimeFigureOut">
               <a:rPr lang="en-US" smtClean="0"/>
-              <a:t>7/9/2012</a:t>
+              <a:t>7/14/2012</a:t>
             </a:fld>
             <a:endParaRPr lang="en-US"/>
           </a:p>
@@ -1774,7 +1775,7 @@
           <a:p>
             <a:fld id="{C3A32E1B-F241-4B1B-A0AF-6E1A2F474A5F}" type="datetimeFigureOut">
               <a:rPr lang="en-US" smtClean="0"/>
-              <a:t>7/9/2012</a:t>
+              <a:t>7/14/2012</a:t>
             </a:fld>
             <a:endParaRPr lang="en-US"/>
           </a:p>
@@ -1892,7 +1893,7 @@
           <a:p>
             <a:fld id="{C3A32E1B-F241-4B1B-A0AF-6E1A2F474A5F}" type="datetimeFigureOut">
               <a:rPr lang="en-US" smtClean="0"/>
-              <a:t>7/9/2012</a:t>
+              <a:t>7/14/2012</a:t>
             </a:fld>
             <a:endParaRPr lang="en-US"/>
           </a:p>
@@ -1987,7 +1988,7 @@
           <a:p>
             <a:fld id="{C3A32E1B-F241-4B1B-A0AF-6E1A2F474A5F}" type="datetimeFigureOut">
               <a:rPr lang="en-US" smtClean="0"/>
-              <a:t>7/9/2012</a:t>
+              <a:t>7/14/2012</a:t>
             </a:fld>
             <a:endParaRPr lang="en-US"/>
           </a:p>
@@ -2264,7 +2265,7 @@
           <a:p>
             <a:fld id="{C3A32E1B-F241-4B1B-A0AF-6E1A2F474A5F}" type="datetimeFigureOut">
               <a:rPr lang="en-US" smtClean="0"/>
-              <a:t>7/9/2012</a:t>
+              <a:t>7/14/2012</a:t>
             </a:fld>
             <a:endParaRPr lang="en-US"/>
           </a:p>
@@ -2517,7 +2518,7 @@
           <a:p>
             <a:fld id="{C3A32E1B-F241-4B1B-A0AF-6E1A2F474A5F}" type="datetimeFigureOut">
               <a:rPr lang="en-US" smtClean="0"/>
-              <a:t>7/9/2012</a:t>
+              <a:t>7/14/2012</a:t>
             </a:fld>
             <a:endParaRPr lang="en-US"/>
           </a:p>
@@ -2730,7 +2731,7 @@
           <a:p>
             <a:fld id="{C3A32E1B-F241-4B1B-A0AF-6E1A2F474A5F}" type="datetimeFigureOut">
               <a:rPr lang="en-US" smtClean="0"/>
-              <a:t>7/9/2012</a:t>
+              <a:t>7/14/2012</a:t>
             </a:fld>
             <a:endParaRPr lang="en-US"/>
           </a:p>
@@ -3222,6 +3223,104 @@
           <a:p>
             <a:r>
               <a:rPr lang="en-US" dirty="0" smtClean="0"/>
+              <a:t>Developing Job Library</a:t>
+            </a:r>
+            <a:endParaRPr lang="en-US" dirty="0"/>
+          </a:p>
+        </p:txBody>
+      </p:sp>
+      <p:sp>
+        <p:nvSpPr>
+          <p:cNvPr id="3" name="Content Placeholder 2"/>
+          <p:cNvSpPr>
+            <a:spLocks noGrp="1"/>
+          </p:cNvSpPr>
+          <p:nvPr>
+            <p:ph idx="1"/>
+          </p:nvPr>
+        </p:nvSpPr>
+        <p:spPr/>
+        <p:txBody>
+          <a:bodyPr/>
+          <a:lstStyle/>
+          <a:p>
+            <a:r>
+              <a:rPr lang="en-US" dirty="0" smtClean="0"/>
+              <a:t>Instead of testing it through the Job Execution Service, you can have hosting application that calls </a:t>
+            </a:r>
+            <a:r>
+              <a:rPr lang="en-US" dirty="0" err="1" smtClean="0"/>
+              <a:t>Job.Execute</a:t>
+            </a:r>
+            <a:r>
+              <a:rPr lang="en-US" dirty="0" smtClean="0"/>
+              <a:t>() method directly.</a:t>
+            </a:r>
+          </a:p>
+          <a:p>
+            <a:r>
+              <a:rPr lang="en-US" dirty="0" smtClean="0"/>
+              <a:t>Check out </a:t>
+            </a:r>
+            <a:r>
+              <a:rPr lang="en-US" dirty="0" err="1" smtClean="0"/>
+              <a:t>SampleJobLibraryTest</a:t>
+            </a:r>
+            <a:r>
+              <a:rPr lang="en-US" dirty="0" smtClean="0"/>
+              <a:t> solution.</a:t>
+            </a:r>
+            <a:endParaRPr lang="en-US" dirty="0"/>
+          </a:p>
+        </p:txBody>
+      </p:sp>
+    </p:spTree>
+    <p:extLst>
+      <p:ext uri="{BB962C8B-B14F-4D97-AF65-F5344CB8AC3E}">
+        <p14:creationId xmlns:p14="http://schemas.microsoft.com/office/powerpoint/2010/main" val="1107368880"/>
+      </p:ext>
+    </p:extLst>
+  </p:cSld>
+  <p:clrMapOvr>
+    <a:masterClrMapping/>
+  </p:clrMapOvr>
+</p:sld>
+</file>
+
+<file path=ppt/slides/slide11.xml><?xml version="1.0" encoding="utf-8"?>
+<p:sld xmlns:a="http://schemas.openxmlformats.org/drawingml/2006/main" xmlns:r="http://schemas.openxmlformats.org/officeDocument/2006/relationships" xmlns:p="http://schemas.openxmlformats.org/presentationml/2006/main">
+  <p:cSld>
+    <p:spTree>
+      <p:nvGrpSpPr>
+        <p:cNvPr id="1" name=""/>
+        <p:cNvGrpSpPr/>
+        <p:nvPr/>
+      </p:nvGrpSpPr>
+      <p:grpSpPr>
+        <a:xfrm>
+          <a:off x="0" y="0"/>
+          <a:ext cx="0" cy="0"/>
+          <a:chOff x="0" y="0"/>
+          <a:chExt cx="0" cy="0"/>
+        </a:xfrm>
+      </p:grpSpPr>
+      <p:sp>
+        <p:nvSpPr>
+          <p:cNvPr id="2" name="Title 1"/>
+          <p:cNvSpPr>
+            <a:spLocks noGrp="1"/>
+          </p:cNvSpPr>
+          <p:nvPr>
+            <p:ph type="title"/>
+          </p:nvPr>
+        </p:nvSpPr>
+        <p:spPr/>
+        <p:txBody>
+          <a:bodyPr/>
+          <a:lstStyle/>
+          <a:p>
+            <a:r>
+              <a:rPr lang="en-US" dirty="0" smtClean="0"/>
               <a:t>What Else Can Be Done?</a:t>
             </a:r>
             <a:endParaRPr lang="en-US" dirty="0"/>
@@ -3274,7 +3373,7 @@
 </p:sld>
 </file>
 
-<file path=ppt/slides/slide11.xml><?xml version="1.0" encoding="utf-8"?>
+<file path=ppt/slides/slide12.xml><?xml version="1.0" encoding="utf-8"?>
 <p:sld xmlns:a="http://schemas.openxmlformats.org/drawingml/2006/main" xmlns:r="http://schemas.openxmlformats.org/officeDocument/2006/relationships" xmlns:p="http://schemas.openxmlformats.org/presentationml/2006/main">
   <p:cSld>
     <p:spTree>
@@ -4472,17 +4571,63 @@
       </p:sp>
       <p:sp>
         <p:nvSpPr>
-          <p:cNvPr id="4" name="Rounded Rectangle 3"/>
+          <p:cNvPr id="5" name="Rectangle 4"/>
           <p:cNvSpPr/>
           <p:nvPr/>
         </p:nvSpPr>
         <p:spPr>
           <a:xfrm>
-            <a:off x="1828800" y="1676400"/>
-            <a:ext cx="1752600" cy="3200400"/>
+            <a:off x="533400" y="3924300"/>
+            <a:ext cx="1143000" cy="647700"/>
+          </a:xfrm>
+          <a:prstGeom prst="rect">
+            <a:avLst/>
+          </a:prstGeom>
+        </p:spPr>
+        <p:style>
+          <a:lnRef idx="2">
+            <a:schemeClr val="accent3">
+              <a:shade val="50000"/>
+            </a:schemeClr>
+          </a:lnRef>
+          <a:fillRef idx="1">
+            <a:schemeClr val="accent3"/>
+          </a:fillRef>
+          <a:effectRef idx="0">
+            <a:schemeClr val="accent3"/>
+          </a:effectRef>
+          <a:fontRef idx="minor">
+            <a:schemeClr val="lt1"/>
+          </a:fontRef>
+        </p:style>
+        <p:txBody>
+          <a:bodyPr rtlCol="0" anchor="ctr"/>
+          <a:lstStyle/>
+          <a:p>
+            <a:pPr algn="ctr"/>
+            <a:r>
+              <a:rPr lang="en-US" dirty="0" smtClean="0"/>
+              <a:t>Job Initiator</a:t>
+            </a:r>
+            <a:endParaRPr lang="en-US" dirty="0"/>
+          </a:p>
+        </p:txBody>
+      </p:sp>
+      <p:sp>
+        <p:nvSpPr>
+          <p:cNvPr id="18" name="Rounded Rectangle 17"/>
+          <p:cNvSpPr/>
+          <p:nvPr/>
+        </p:nvSpPr>
+        <p:spPr>
+          <a:xfrm>
+            <a:off x="3505200" y="2914650"/>
+            <a:ext cx="4800600" cy="2724150"/>
           </a:xfrm>
           <a:prstGeom prst="roundRect">
-            <a:avLst/>
+            <a:avLst>
+              <a:gd name="adj" fmla="val 10294"/>
+            </a:avLst>
           </a:prstGeom>
         </p:spPr>
         <p:style>
@@ -4505,25 +4650,352 @@
           <a:bodyPr rtlCol="0" anchor="t"/>
           <a:lstStyle/>
           <a:p>
+            <a:r>
+              <a:rPr lang="en-US" dirty="0" err="1" smtClean="0"/>
+              <a:t>JobQueue</a:t>
+            </a:r>
+            <a:r>
+              <a:rPr lang="en-US" dirty="0" smtClean="0"/>
+              <a:t> Solution</a:t>
+            </a:r>
+            <a:endParaRPr lang="en-US" dirty="0"/>
+          </a:p>
+        </p:txBody>
+      </p:sp>
+      <p:sp>
+        <p:nvSpPr>
+          <p:cNvPr id="25" name="Flowchart: Magnetic Disk 24"/>
+          <p:cNvSpPr/>
+          <p:nvPr/>
+        </p:nvSpPr>
+        <p:spPr>
+          <a:xfrm>
+            <a:off x="4648200" y="4572000"/>
+            <a:ext cx="1143000" cy="647700"/>
+          </a:xfrm>
+          <a:prstGeom prst="flowChartMagneticDisk">
+            <a:avLst/>
+          </a:prstGeom>
+        </p:spPr>
+        <p:style>
+          <a:lnRef idx="2">
+            <a:schemeClr val="accent4">
+              <a:shade val="50000"/>
+            </a:schemeClr>
+          </a:lnRef>
+          <a:fillRef idx="1">
+            <a:schemeClr val="accent4"/>
+          </a:fillRef>
+          <a:effectRef idx="0">
+            <a:schemeClr val="accent4"/>
+          </a:effectRef>
+          <a:fontRef idx="minor">
+            <a:schemeClr val="lt1"/>
+          </a:fontRef>
+        </p:style>
+        <p:txBody>
+          <a:bodyPr rtlCol="0" anchor="ctr"/>
+          <a:lstStyle/>
+          <a:p>
             <a:pPr algn="ctr"/>
             <a:r>
-              <a:rPr lang="en-US" dirty="0" smtClean="0"/>
-              <a:t>V1</a:t>
-            </a:r>
-            <a:endParaRPr lang="en-US" dirty="0"/>
-          </a:p>
-        </p:txBody>
-      </p:sp>
-      <p:sp>
-        <p:nvSpPr>
-          <p:cNvPr id="5" name="Rectangle 4"/>
+              <a:rPr lang="en-US" sz="1400" dirty="0" err="1" smtClean="0"/>
+              <a:t>JobQueue</a:t>
+            </a:r>
+            <a:endParaRPr lang="en-US" sz="1400" dirty="0"/>
+          </a:p>
+        </p:txBody>
+      </p:sp>
+      <p:sp>
+        <p:nvSpPr>
+          <p:cNvPr id="26" name="Flowchart: Connector 25"/>
           <p:cNvSpPr/>
           <p:nvPr/>
         </p:nvSpPr>
         <p:spPr>
           <a:xfrm>
-            <a:off x="2133600" y="3695700"/>
-            <a:ext cx="1143000" cy="647700"/>
+            <a:off x="3352800" y="4419600"/>
+            <a:ext cx="304800" cy="304800"/>
+          </a:xfrm>
+          <a:prstGeom prst="flowChartConnector">
+            <a:avLst/>
+          </a:prstGeom>
+        </p:spPr>
+        <p:style>
+          <a:lnRef idx="2">
+            <a:schemeClr val="accent6"/>
+          </a:lnRef>
+          <a:fillRef idx="1">
+            <a:schemeClr val="lt1"/>
+          </a:fillRef>
+          <a:effectRef idx="0">
+            <a:schemeClr val="accent6"/>
+          </a:effectRef>
+          <a:fontRef idx="minor">
+            <a:schemeClr val="dk1"/>
+          </a:fontRef>
+        </p:style>
+        <p:txBody>
+          <a:bodyPr rtlCol="0" anchor="ctr"/>
+          <a:lstStyle/>
+          <a:p>
+            <a:pPr algn="ctr"/>
+            <a:endParaRPr lang="en-US"/>
+          </a:p>
+        </p:txBody>
+      </p:sp>
+      <p:sp>
+        <p:nvSpPr>
+          <p:cNvPr id="27" name="Flowchart: Connector 26"/>
+          <p:cNvSpPr/>
+          <p:nvPr/>
+        </p:nvSpPr>
+        <p:spPr>
+          <a:xfrm>
+            <a:off x="3352800" y="3886200"/>
+            <a:ext cx="304800" cy="304800"/>
+          </a:xfrm>
+          <a:prstGeom prst="flowChartConnector">
+            <a:avLst/>
+          </a:prstGeom>
+        </p:spPr>
+        <p:style>
+          <a:lnRef idx="2">
+            <a:schemeClr val="accent6"/>
+          </a:lnRef>
+          <a:fillRef idx="1">
+            <a:schemeClr val="lt1"/>
+          </a:fillRef>
+          <a:effectRef idx="0">
+            <a:schemeClr val="accent6"/>
+          </a:effectRef>
+          <a:fontRef idx="minor">
+            <a:schemeClr val="dk1"/>
+          </a:fontRef>
+        </p:style>
+        <p:txBody>
+          <a:bodyPr rtlCol="0" anchor="ctr"/>
+          <a:lstStyle/>
+          <a:p>
+            <a:pPr algn="ctr"/>
+            <a:endParaRPr lang="en-US"/>
+          </a:p>
+        </p:txBody>
+      </p:sp>
+      <p:cxnSp>
+        <p:nvCxnSpPr>
+          <p:cNvPr id="28" name="Straight Arrow Connector 27"/>
+          <p:cNvCxnSpPr>
+            <a:stCxn id="5" idx="3"/>
+            <a:endCxn id="27" idx="2"/>
+          </p:cNvCxnSpPr>
+          <p:nvPr/>
+        </p:nvCxnSpPr>
+        <p:spPr>
+          <a:xfrm flipV="1">
+            <a:off x="1676400" y="4038600"/>
+            <a:ext cx="1676400" cy="209550"/>
+          </a:xfrm>
+          <a:prstGeom prst="straightConnector1">
+            <a:avLst/>
+          </a:prstGeom>
+          <a:ln>
+            <a:tailEnd type="arrow"/>
+          </a:ln>
+        </p:spPr>
+        <p:style>
+          <a:lnRef idx="3">
+            <a:schemeClr val="accent2"/>
+          </a:lnRef>
+          <a:fillRef idx="0">
+            <a:schemeClr val="accent2"/>
+          </a:fillRef>
+          <a:effectRef idx="2">
+            <a:schemeClr val="accent2"/>
+          </a:effectRef>
+          <a:fontRef idx="minor">
+            <a:schemeClr val="tx1"/>
+          </a:fontRef>
+        </p:style>
+      </p:cxnSp>
+      <p:cxnSp>
+        <p:nvCxnSpPr>
+          <p:cNvPr id="32" name="Straight Arrow Connector 27"/>
+          <p:cNvCxnSpPr>
+            <a:stCxn id="5" idx="3"/>
+            <a:endCxn id="26" idx="2"/>
+          </p:cNvCxnSpPr>
+          <p:nvPr/>
+        </p:nvCxnSpPr>
+        <p:spPr>
+          <a:xfrm>
+            <a:off x="1676400" y="4248150"/>
+            <a:ext cx="1676400" cy="323850"/>
+          </a:xfrm>
+          <a:prstGeom prst="straightConnector1">
+            <a:avLst/>
+          </a:prstGeom>
+          <a:ln>
+            <a:tailEnd type="arrow"/>
+          </a:ln>
+        </p:spPr>
+        <p:style>
+          <a:lnRef idx="3">
+            <a:schemeClr val="accent2"/>
+          </a:lnRef>
+          <a:fillRef idx="0">
+            <a:schemeClr val="accent2"/>
+          </a:fillRef>
+          <a:effectRef idx="2">
+            <a:schemeClr val="accent2"/>
+          </a:effectRef>
+          <a:fontRef idx="minor">
+            <a:schemeClr val="tx1"/>
+          </a:fontRef>
+        </p:style>
+      </p:cxnSp>
+      <p:sp>
+        <p:nvSpPr>
+          <p:cNvPr id="41" name="TextBox 40"/>
+          <p:cNvSpPr txBox="1"/>
+          <p:nvPr/>
+        </p:nvSpPr>
+        <p:spPr>
+          <a:xfrm>
+            <a:off x="2057400" y="3886200"/>
+            <a:ext cx="990600" cy="246221"/>
+          </a:xfrm>
+          <a:prstGeom prst="rect">
+            <a:avLst/>
+          </a:prstGeom>
+          <a:noFill/>
+        </p:spPr>
+        <p:txBody>
+          <a:bodyPr wrap="square" rtlCol="0">
+            <a:spAutoFit/>
+          </a:bodyPr>
+          <a:lstStyle/>
+          <a:p>
+            <a:r>
+              <a:rPr lang="en-US" sz="1000" dirty="0" smtClean="0"/>
+              <a:t>Sends new job</a:t>
+            </a:r>
+            <a:endParaRPr lang="en-US" sz="1000" dirty="0"/>
+          </a:p>
+        </p:txBody>
+      </p:sp>
+      <p:sp>
+        <p:nvSpPr>
+          <p:cNvPr id="43" name="TextBox 42"/>
+          <p:cNvSpPr txBox="1"/>
+          <p:nvPr/>
+        </p:nvSpPr>
+        <p:spPr>
+          <a:xfrm>
+            <a:off x="1866900" y="4478179"/>
+            <a:ext cx="1257300" cy="246221"/>
+          </a:xfrm>
+          <a:prstGeom prst="rect">
+            <a:avLst/>
+          </a:prstGeom>
+          <a:noFill/>
+        </p:spPr>
+        <p:txBody>
+          <a:bodyPr wrap="square" rtlCol="0">
+            <a:spAutoFit/>
+          </a:bodyPr>
+          <a:lstStyle/>
+          <a:p>
+            <a:r>
+              <a:rPr lang="en-US" sz="1000" dirty="0" smtClean="0"/>
+              <a:t>Asks if the job done</a:t>
+            </a:r>
+            <a:endParaRPr lang="en-US" sz="1000" dirty="0"/>
+          </a:p>
+        </p:txBody>
+      </p:sp>
+      <p:cxnSp>
+        <p:nvCxnSpPr>
+          <p:cNvPr id="49" name="Straight Arrow Connector 48"/>
+          <p:cNvCxnSpPr>
+            <a:stCxn id="27" idx="5"/>
+            <a:endCxn id="25" idx="2"/>
+          </p:cNvCxnSpPr>
+          <p:nvPr/>
+        </p:nvCxnSpPr>
+        <p:spPr>
+          <a:xfrm>
+            <a:off x="3612963" y="4146363"/>
+            <a:ext cx="1035237" cy="749487"/>
+          </a:xfrm>
+          <a:prstGeom prst="straightConnector1">
+            <a:avLst/>
+          </a:prstGeom>
+          <a:ln>
+            <a:tailEnd type="arrow"/>
+          </a:ln>
+        </p:spPr>
+        <p:style>
+          <a:lnRef idx="3">
+            <a:schemeClr val="accent2"/>
+          </a:lnRef>
+          <a:fillRef idx="0">
+            <a:schemeClr val="accent2"/>
+          </a:fillRef>
+          <a:effectRef idx="2">
+            <a:schemeClr val="accent2"/>
+          </a:effectRef>
+          <a:fontRef idx="minor">
+            <a:schemeClr val="tx1"/>
+          </a:fontRef>
+        </p:style>
+      </p:cxnSp>
+      <p:cxnSp>
+        <p:nvCxnSpPr>
+          <p:cNvPr id="52" name="Straight Arrow Connector 51"/>
+          <p:cNvCxnSpPr>
+            <a:stCxn id="26" idx="6"/>
+            <a:endCxn id="25" idx="2"/>
+          </p:cNvCxnSpPr>
+          <p:nvPr/>
+        </p:nvCxnSpPr>
+        <p:spPr>
+          <a:xfrm>
+            <a:off x="3657600" y="4572000"/>
+            <a:ext cx="990600" cy="323850"/>
+          </a:xfrm>
+          <a:prstGeom prst="straightConnector1">
+            <a:avLst/>
+          </a:prstGeom>
+          <a:ln>
+            <a:tailEnd type="arrow"/>
+          </a:ln>
+        </p:spPr>
+        <p:style>
+          <a:lnRef idx="3">
+            <a:schemeClr val="accent2"/>
+          </a:lnRef>
+          <a:fillRef idx="0">
+            <a:schemeClr val="accent2"/>
+          </a:fillRef>
+          <a:effectRef idx="2">
+            <a:schemeClr val="accent2"/>
+          </a:effectRef>
+          <a:fontRef idx="minor">
+            <a:schemeClr val="tx1"/>
+          </a:fontRef>
+        </p:style>
+      </p:cxnSp>
+      <p:sp>
+        <p:nvSpPr>
+          <p:cNvPr id="59" name="Rectangle 58"/>
+          <p:cNvSpPr/>
+          <p:nvPr/>
+        </p:nvSpPr>
+        <p:spPr>
+          <a:xfrm>
+            <a:off x="4495800" y="3467100"/>
+            <a:ext cx="1371600" cy="647700"/>
           </a:xfrm>
           <a:prstGeom prst="rect">
             <a:avLst/>
@@ -4551,23 +5023,480 @@
           <a:p>
             <a:pPr algn="ctr"/>
             <a:r>
-              <a:rPr lang="en-US" dirty="0" smtClean="0"/>
-              <a:t>Import engine</a:t>
-            </a:r>
-            <a:endParaRPr lang="en-US" dirty="0"/>
-          </a:p>
-        </p:txBody>
-      </p:sp>
-      <p:sp>
-        <p:nvSpPr>
-          <p:cNvPr id="6" name="Rectangle 5"/>
+              <a:rPr lang="en-US" sz="1400" dirty="0" smtClean="0"/>
+              <a:t>Job Execution Service</a:t>
+            </a:r>
+            <a:endParaRPr lang="en-US" sz="1400" dirty="0"/>
+          </a:p>
+        </p:txBody>
+      </p:sp>
+      <p:cxnSp>
+        <p:nvCxnSpPr>
+          <p:cNvPr id="60" name="Straight Arrow Connector 59"/>
+          <p:cNvCxnSpPr>
+            <a:stCxn id="25" idx="1"/>
+            <a:endCxn id="59" idx="2"/>
+          </p:cNvCxnSpPr>
+          <p:nvPr/>
+        </p:nvCxnSpPr>
+        <p:spPr>
+          <a:xfrm flipH="1" flipV="1">
+            <a:off x="5181600" y="4114800"/>
+            <a:ext cx="38100" cy="457200"/>
+          </a:xfrm>
+          <a:prstGeom prst="straightConnector1">
+            <a:avLst/>
+          </a:prstGeom>
+          <a:ln>
+            <a:tailEnd type="arrow"/>
+          </a:ln>
+        </p:spPr>
+        <p:style>
+          <a:lnRef idx="3">
+            <a:schemeClr val="accent2"/>
+          </a:lnRef>
+          <a:fillRef idx="0">
+            <a:schemeClr val="accent2"/>
+          </a:fillRef>
+          <a:effectRef idx="2">
+            <a:schemeClr val="accent2"/>
+          </a:effectRef>
+          <a:fontRef idx="minor">
+            <a:schemeClr val="tx1"/>
+          </a:fontRef>
+        </p:style>
+      </p:cxnSp>
+      <p:sp>
+        <p:nvSpPr>
+          <p:cNvPr id="63" name="TextBox 62"/>
+          <p:cNvSpPr txBox="1"/>
+          <p:nvPr/>
+        </p:nvSpPr>
+        <p:spPr>
+          <a:xfrm>
+            <a:off x="3962400" y="4235323"/>
+            <a:ext cx="685800" cy="246221"/>
+          </a:xfrm>
+          <a:prstGeom prst="rect">
+            <a:avLst/>
+          </a:prstGeom>
+          <a:noFill/>
+        </p:spPr>
+        <p:txBody>
+          <a:bodyPr wrap="square" rtlCol="0">
+            <a:spAutoFit/>
+          </a:bodyPr>
+          <a:lstStyle/>
+          <a:p>
+            <a:r>
+              <a:rPr lang="en-US" sz="1000" dirty="0" err="1" smtClean="0"/>
+              <a:t>enqueue</a:t>
+            </a:r>
+            <a:endParaRPr lang="en-US" sz="1000" dirty="0"/>
+          </a:p>
+        </p:txBody>
+      </p:sp>
+      <p:sp>
+        <p:nvSpPr>
+          <p:cNvPr id="64" name="TextBox 63"/>
+          <p:cNvSpPr txBox="1"/>
+          <p:nvPr/>
+        </p:nvSpPr>
+        <p:spPr>
+          <a:xfrm>
+            <a:off x="3634734" y="4678269"/>
+            <a:ext cx="685800" cy="246221"/>
+          </a:xfrm>
+          <a:prstGeom prst="rect">
+            <a:avLst/>
+          </a:prstGeom>
+          <a:noFill/>
+        </p:spPr>
+        <p:txBody>
+          <a:bodyPr wrap="square" rtlCol="0">
+            <a:spAutoFit/>
+          </a:bodyPr>
+          <a:lstStyle/>
+          <a:p>
+            <a:r>
+              <a:rPr lang="en-US" sz="1000" dirty="0" smtClean="0"/>
+              <a:t>check</a:t>
+            </a:r>
+            <a:endParaRPr lang="en-US" sz="1000" dirty="0"/>
+          </a:p>
+        </p:txBody>
+      </p:sp>
+      <p:sp>
+        <p:nvSpPr>
+          <p:cNvPr id="65" name="TextBox 64"/>
+          <p:cNvSpPr txBox="1"/>
+          <p:nvPr/>
+        </p:nvSpPr>
+        <p:spPr>
+          <a:xfrm>
+            <a:off x="5219700" y="4173379"/>
+            <a:ext cx="685800" cy="246221"/>
+          </a:xfrm>
+          <a:prstGeom prst="rect">
+            <a:avLst/>
+          </a:prstGeom>
+          <a:noFill/>
+        </p:spPr>
+        <p:txBody>
+          <a:bodyPr wrap="square" rtlCol="0">
+            <a:spAutoFit/>
+          </a:bodyPr>
+          <a:lstStyle/>
+          <a:p>
+            <a:r>
+              <a:rPr lang="en-US" sz="1000" dirty="0" err="1" smtClean="0"/>
+              <a:t>dequeue</a:t>
+            </a:r>
+            <a:endParaRPr lang="en-US" sz="1000" dirty="0"/>
+          </a:p>
+        </p:txBody>
+      </p:sp>
+      <p:sp>
+        <p:nvSpPr>
+          <p:cNvPr id="66" name="Rectangle 65"/>
           <p:cNvSpPr/>
           <p:nvPr/>
         </p:nvSpPr>
         <p:spPr>
           <a:xfrm>
-            <a:off x="304800" y="1981200"/>
-            <a:ext cx="990600" cy="685800"/>
+            <a:off x="3657600" y="1828800"/>
+            <a:ext cx="838200" cy="609600"/>
+          </a:xfrm>
+          <a:prstGeom prst="rect">
+            <a:avLst/>
+          </a:prstGeom>
+        </p:spPr>
+        <p:style>
+          <a:lnRef idx="2">
+            <a:schemeClr val="accent2">
+              <a:shade val="50000"/>
+            </a:schemeClr>
+          </a:lnRef>
+          <a:fillRef idx="1">
+            <a:schemeClr val="accent2"/>
+          </a:fillRef>
+          <a:effectRef idx="0">
+            <a:schemeClr val="accent2"/>
+          </a:effectRef>
+          <a:fontRef idx="minor">
+            <a:schemeClr val="lt1"/>
+          </a:fontRef>
+        </p:style>
+        <p:txBody>
+          <a:bodyPr rtlCol="0" anchor="ctr"/>
+          <a:lstStyle/>
+          <a:p>
+            <a:pPr algn="ctr"/>
+            <a:r>
+              <a:rPr lang="en-US" sz="1400" dirty="0" smtClean="0"/>
+              <a:t>Job Library</a:t>
+            </a:r>
+            <a:endParaRPr lang="en-US" sz="1400" dirty="0"/>
+          </a:p>
+        </p:txBody>
+      </p:sp>
+      <p:cxnSp>
+        <p:nvCxnSpPr>
+          <p:cNvPr id="67" name="Straight Arrow Connector 66"/>
+          <p:cNvCxnSpPr>
+            <a:stCxn id="66" idx="2"/>
+            <a:endCxn id="27" idx="7"/>
+          </p:cNvCxnSpPr>
+          <p:nvPr/>
+        </p:nvCxnSpPr>
+        <p:spPr>
+          <a:xfrm flipH="1">
+            <a:off x="3612963" y="2438400"/>
+            <a:ext cx="463737" cy="1492437"/>
+          </a:xfrm>
+          <a:prstGeom prst="straightConnector1">
+            <a:avLst/>
+          </a:prstGeom>
+          <a:ln>
+            <a:tailEnd type="arrow"/>
+          </a:ln>
+        </p:spPr>
+        <p:style>
+          <a:lnRef idx="3">
+            <a:schemeClr val="accent2"/>
+          </a:lnRef>
+          <a:fillRef idx="0">
+            <a:schemeClr val="accent2"/>
+          </a:fillRef>
+          <a:effectRef idx="2">
+            <a:schemeClr val="accent2"/>
+          </a:effectRef>
+          <a:fontRef idx="minor">
+            <a:schemeClr val="tx1"/>
+          </a:fontRef>
+        </p:style>
+      </p:cxnSp>
+      <p:sp>
+        <p:nvSpPr>
+          <p:cNvPr id="70" name="TextBox 69"/>
+          <p:cNvSpPr txBox="1"/>
+          <p:nvPr/>
+        </p:nvSpPr>
+        <p:spPr>
+          <a:xfrm>
+            <a:off x="3668484" y="2514600"/>
+            <a:ext cx="827316" cy="553998"/>
+          </a:xfrm>
+          <a:prstGeom prst="rect">
+            <a:avLst/>
+          </a:prstGeom>
+          <a:noFill/>
+        </p:spPr>
+        <p:txBody>
+          <a:bodyPr wrap="square" rtlCol="0">
+            <a:spAutoFit/>
+          </a:bodyPr>
+          <a:lstStyle/>
+          <a:p>
+            <a:r>
+              <a:rPr lang="en-US" sz="1000" dirty="0" smtClean="0"/>
+              <a:t>Provides Serialization info</a:t>
+            </a:r>
+            <a:endParaRPr lang="en-US" sz="1000" dirty="0"/>
+          </a:p>
+        </p:txBody>
+      </p:sp>
+      <p:cxnSp>
+        <p:nvCxnSpPr>
+          <p:cNvPr id="71" name="Straight Arrow Connector 70"/>
+          <p:cNvCxnSpPr>
+            <a:stCxn id="66" idx="3"/>
+            <a:endCxn id="59" idx="0"/>
+          </p:cNvCxnSpPr>
+          <p:nvPr/>
+        </p:nvCxnSpPr>
+        <p:spPr>
+          <a:xfrm>
+            <a:off x="4495800" y="2133600"/>
+            <a:ext cx="685800" cy="1333500"/>
+          </a:xfrm>
+          <a:prstGeom prst="straightConnector1">
+            <a:avLst/>
+          </a:prstGeom>
+          <a:ln>
+            <a:tailEnd type="arrow"/>
+          </a:ln>
+        </p:spPr>
+        <p:style>
+          <a:lnRef idx="3">
+            <a:schemeClr val="accent2"/>
+          </a:lnRef>
+          <a:fillRef idx="0">
+            <a:schemeClr val="accent2"/>
+          </a:fillRef>
+          <a:effectRef idx="2">
+            <a:schemeClr val="accent2"/>
+          </a:effectRef>
+          <a:fontRef idx="minor">
+            <a:schemeClr val="tx1"/>
+          </a:fontRef>
+        </p:style>
+      </p:cxnSp>
+      <p:sp>
+        <p:nvSpPr>
+          <p:cNvPr id="74" name="TextBox 73"/>
+          <p:cNvSpPr txBox="1"/>
+          <p:nvPr/>
+        </p:nvSpPr>
+        <p:spPr>
+          <a:xfrm>
+            <a:off x="4572000" y="2286000"/>
+            <a:ext cx="990600" cy="553998"/>
+          </a:xfrm>
+          <a:prstGeom prst="rect">
+            <a:avLst/>
+          </a:prstGeom>
+          <a:noFill/>
+        </p:spPr>
+        <p:txBody>
+          <a:bodyPr wrap="square" rtlCol="0">
+            <a:spAutoFit/>
+          </a:bodyPr>
+          <a:lstStyle/>
+          <a:p>
+            <a:r>
+              <a:rPr lang="en-US" sz="1000" dirty="0" smtClean="0"/>
+              <a:t>Provides Deserialization info</a:t>
+            </a:r>
+            <a:endParaRPr lang="en-US" sz="1000" dirty="0"/>
+          </a:p>
+        </p:txBody>
+      </p:sp>
+      <p:sp>
+        <p:nvSpPr>
+          <p:cNvPr id="79" name="Rectangle 78"/>
+          <p:cNvSpPr/>
+          <p:nvPr/>
+        </p:nvSpPr>
+        <p:spPr>
+          <a:xfrm>
+            <a:off x="3581400" y="1752600"/>
+            <a:ext cx="838200" cy="609600"/>
+          </a:xfrm>
+          <a:prstGeom prst="rect">
+            <a:avLst/>
+          </a:prstGeom>
+        </p:spPr>
+        <p:style>
+          <a:lnRef idx="2">
+            <a:schemeClr val="accent2">
+              <a:shade val="50000"/>
+            </a:schemeClr>
+          </a:lnRef>
+          <a:fillRef idx="1">
+            <a:schemeClr val="accent2"/>
+          </a:fillRef>
+          <a:effectRef idx="0">
+            <a:schemeClr val="accent2"/>
+          </a:effectRef>
+          <a:fontRef idx="minor">
+            <a:schemeClr val="lt1"/>
+          </a:fontRef>
+        </p:style>
+        <p:txBody>
+          <a:bodyPr rtlCol="0" anchor="ctr"/>
+          <a:lstStyle/>
+          <a:p>
+            <a:pPr algn="ctr"/>
+            <a:r>
+              <a:rPr lang="en-US" sz="1400" dirty="0" smtClean="0"/>
+              <a:t>Job Library</a:t>
+            </a:r>
+            <a:endParaRPr lang="en-US" sz="1400" dirty="0"/>
+          </a:p>
+        </p:txBody>
+      </p:sp>
+      <p:sp>
+        <p:nvSpPr>
+          <p:cNvPr id="80" name="Rectangle 79"/>
+          <p:cNvSpPr/>
+          <p:nvPr/>
+        </p:nvSpPr>
+        <p:spPr>
+          <a:xfrm>
+            <a:off x="3505200" y="1676400"/>
+            <a:ext cx="838200" cy="609600"/>
+          </a:xfrm>
+          <a:prstGeom prst="rect">
+            <a:avLst/>
+          </a:prstGeom>
+        </p:spPr>
+        <p:style>
+          <a:lnRef idx="2">
+            <a:schemeClr val="accent2">
+              <a:shade val="50000"/>
+            </a:schemeClr>
+          </a:lnRef>
+          <a:fillRef idx="1">
+            <a:schemeClr val="accent2"/>
+          </a:fillRef>
+          <a:effectRef idx="0">
+            <a:schemeClr val="accent2"/>
+          </a:effectRef>
+          <a:fontRef idx="minor">
+            <a:schemeClr val="lt1"/>
+          </a:fontRef>
+        </p:style>
+        <p:txBody>
+          <a:bodyPr rtlCol="0" anchor="ctr"/>
+          <a:lstStyle/>
+          <a:p>
+            <a:pPr algn="ctr"/>
+            <a:r>
+              <a:rPr lang="en-US" sz="1400" dirty="0" smtClean="0"/>
+              <a:t>Job Library</a:t>
+            </a:r>
+            <a:endParaRPr lang="en-US" sz="1400" dirty="0"/>
+          </a:p>
+        </p:txBody>
+      </p:sp>
+      <p:cxnSp>
+        <p:nvCxnSpPr>
+          <p:cNvPr id="82" name="Straight Arrow Connector 81"/>
+          <p:cNvCxnSpPr>
+            <a:stCxn id="5" idx="0"/>
+            <a:endCxn id="80" idx="1"/>
+          </p:cNvCxnSpPr>
+          <p:nvPr/>
+        </p:nvCxnSpPr>
+        <p:spPr>
+          <a:xfrm rot="5400000" flipH="1" flipV="1">
+            <a:off x="1333500" y="1752600"/>
+            <a:ext cx="1943100" cy="2400300"/>
+          </a:xfrm>
+          <a:prstGeom prst="bentConnector2">
+            <a:avLst/>
+          </a:prstGeom>
+          <a:ln>
+            <a:prstDash val="sysDot"/>
+            <a:tailEnd type="arrow"/>
+          </a:ln>
+        </p:spPr>
+        <p:style>
+          <a:lnRef idx="3">
+            <a:schemeClr val="accent2"/>
+          </a:lnRef>
+          <a:fillRef idx="0">
+            <a:schemeClr val="accent2"/>
+          </a:fillRef>
+          <a:effectRef idx="2">
+            <a:schemeClr val="accent2"/>
+          </a:effectRef>
+          <a:fontRef idx="minor">
+            <a:schemeClr val="tx1"/>
+          </a:fontRef>
+        </p:style>
+      </p:cxnSp>
+      <p:sp>
+        <p:nvSpPr>
+          <p:cNvPr id="85" name="TextBox 84"/>
+          <p:cNvSpPr txBox="1"/>
+          <p:nvPr/>
+        </p:nvSpPr>
+        <p:spPr>
+          <a:xfrm>
+            <a:off x="2133600" y="1981200"/>
+            <a:ext cx="685800" cy="400110"/>
+          </a:xfrm>
+          <a:prstGeom prst="rect">
+            <a:avLst/>
+          </a:prstGeom>
+          <a:noFill/>
+        </p:spPr>
+        <p:txBody>
+          <a:bodyPr wrap="square" rtlCol="0">
+            <a:spAutoFit/>
+          </a:bodyPr>
+          <a:lstStyle/>
+          <a:p>
+            <a:r>
+              <a:rPr lang="en-US" sz="1000" dirty="0" smtClean="0"/>
+              <a:t>Is aware of</a:t>
+            </a:r>
+            <a:endParaRPr lang="en-US" sz="1000" dirty="0"/>
+          </a:p>
+        </p:txBody>
+      </p:sp>
+      <p:sp>
+        <p:nvSpPr>
+          <p:cNvPr id="88" name="Rectangle 87"/>
+          <p:cNvSpPr/>
+          <p:nvPr/>
+        </p:nvSpPr>
+        <p:spPr>
+          <a:xfrm>
+            <a:off x="5953125" y="1714500"/>
+            <a:ext cx="971550" cy="685800"/>
           </a:xfrm>
           <a:prstGeom prst="rect">
             <a:avLst/>
@@ -4596,95 +5525,7 @@
             <a:pPr algn="ctr"/>
             <a:r>
               <a:rPr lang="en-US" sz="1400" dirty="0" smtClean="0"/>
-              <a:t>Host Feed</a:t>
-            </a:r>
-            <a:endParaRPr lang="en-US" sz="1400" dirty="0"/>
-          </a:p>
-        </p:txBody>
-      </p:sp>
-      <p:sp>
-        <p:nvSpPr>
-          <p:cNvPr id="7" name="Rectangle 6"/>
-          <p:cNvSpPr/>
-          <p:nvPr/>
-        </p:nvSpPr>
-        <p:spPr>
-          <a:xfrm>
-            <a:off x="304800" y="2895600"/>
-            <a:ext cx="990600" cy="685800"/>
-          </a:xfrm>
-          <a:prstGeom prst="rect">
-            <a:avLst/>
-          </a:prstGeom>
-        </p:spPr>
-        <p:style>
-          <a:lnRef idx="2">
-            <a:schemeClr val="accent6">
-              <a:shade val="50000"/>
-            </a:schemeClr>
-          </a:lnRef>
-          <a:fillRef idx="1">
-            <a:schemeClr val="accent6"/>
-          </a:fillRef>
-          <a:effectRef idx="0">
-            <a:schemeClr val="accent6"/>
-          </a:effectRef>
-          <a:fontRef idx="minor">
-            <a:schemeClr val="lt1"/>
-          </a:fontRef>
-        </p:style>
-        <p:txBody>
-          <a:bodyPr rtlCol="0" anchor="ctr"/>
-          <a:lstStyle/>
-          <a:p>
-            <a:pPr algn="ctr"/>
-            <a:r>
-              <a:rPr lang="en-US" sz="1400" dirty="0" smtClean="0"/>
-              <a:t>Teller Feed</a:t>
-            </a:r>
-            <a:endParaRPr lang="en-US" sz="1400" dirty="0"/>
-          </a:p>
-        </p:txBody>
-      </p:sp>
-      <p:sp>
-        <p:nvSpPr>
-          <p:cNvPr id="8" name="Rectangle 7"/>
-          <p:cNvSpPr/>
-          <p:nvPr/>
-        </p:nvSpPr>
-        <p:spPr>
-          <a:xfrm>
-            <a:off x="304800" y="3848100"/>
-            <a:ext cx="990600" cy="685800"/>
-          </a:xfrm>
-          <a:prstGeom prst="rect">
-            <a:avLst/>
-          </a:prstGeom>
-        </p:spPr>
-        <p:style>
-          <a:lnRef idx="2">
-            <a:schemeClr val="accent6">
-              <a:shade val="50000"/>
-            </a:schemeClr>
-          </a:lnRef>
-          <a:fillRef idx="1">
-            <a:schemeClr val="accent6"/>
-          </a:fillRef>
-          <a:effectRef idx="0">
-            <a:schemeClr val="accent6"/>
-          </a:effectRef>
-          <a:fontRef idx="minor">
-            <a:schemeClr val="lt1"/>
-          </a:fontRef>
-        </p:style>
-        <p:txBody>
-          <a:bodyPr rtlCol="0" anchor="ctr"/>
-          <a:lstStyle/>
-          <a:p>
-            <a:pPr algn="ctr"/>
-            <a:r>
-              <a:rPr lang="en-US" sz="1400" dirty="0" smtClean="0"/>
-              <a:t>Wire Feed</a:t>
+              <a:t>Job object</a:t>
             </a:r>
             <a:endParaRPr lang="en-US" sz="1400" dirty="0"/>
           </a:p>
@@ -4692,17 +5533,16 @@
       </p:sp>
       <p:cxnSp>
         <p:nvCxnSpPr>
-          <p:cNvPr id="10" name="Straight Arrow Connector 9"/>
+          <p:cNvPr id="89" name="Straight Arrow Connector 88"/>
           <p:cNvCxnSpPr>
-            <a:stCxn id="6" idx="3"/>
-            <a:endCxn id="5" idx="1"/>
+            <a:endCxn id="88" idx="2"/>
           </p:cNvCxnSpPr>
           <p:nvPr/>
         </p:nvCxnSpPr>
         <p:spPr>
-          <a:xfrm>
-            <a:off x="1295400" y="2324100"/>
-            <a:ext cx="838200" cy="1695450"/>
+          <a:xfrm flipV="1">
+            <a:off x="5334000" y="2400300"/>
+            <a:ext cx="1104900" cy="1066800"/>
           </a:xfrm>
           <a:prstGeom prst="straightConnector1">
             <a:avLst/>
@@ -4726,135 +5566,46 @@
           </a:fontRef>
         </p:style>
       </p:cxnSp>
-      <p:cxnSp>
-        <p:nvCxnSpPr>
-          <p:cNvPr id="12" name="Straight Arrow Connector 11"/>
-          <p:cNvCxnSpPr>
-            <a:stCxn id="7" idx="3"/>
-            <a:endCxn id="5" idx="1"/>
-          </p:cNvCxnSpPr>
-          <p:nvPr/>
-        </p:nvCxnSpPr>
-        <p:spPr>
-          <a:xfrm>
-            <a:off x="1295400" y="3238500"/>
-            <a:ext cx="838200" cy="781050"/>
-          </a:xfrm>
-          <a:prstGeom prst="straightConnector1">
-            <a:avLst/>
-          </a:prstGeom>
-          <a:ln>
-            <a:tailEnd type="arrow"/>
-          </a:ln>
-        </p:spPr>
-        <p:style>
-          <a:lnRef idx="3">
-            <a:schemeClr val="accent2"/>
-          </a:lnRef>
-          <a:fillRef idx="0">
-            <a:schemeClr val="accent2"/>
-          </a:fillRef>
-          <a:effectRef idx="2">
-            <a:schemeClr val="accent2"/>
-          </a:effectRef>
-          <a:fontRef idx="minor">
-            <a:schemeClr val="tx1"/>
-          </a:fontRef>
-        </p:style>
-      </p:cxnSp>
-      <p:cxnSp>
-        <p:nvCxnSpPr>
-          <p:cNvPr id="14" name="Straight Arrow Connector 13"/>
-          <p:cNvCxnSpPr>
-            <a:stCxn id="8" idx="3"/>
-            <a:endCxn id="5" idx="1"/>
-          </p:cNvCxnSpPr>
-          <p:nvPr/>
-        </p:nvCxnSpPr>
-        <p:spPr>
-          <a:xfrm flipV="1">
-            <a:off x="1295400" y="4019550"/>
-            <a:ext cx="838200" cy="171450"/>
-          </a:xfrm>
-          <a:prstGeom prst="straightConnector1">
-            <a:avLst/>
-          </a:prstGeom>
-          <a:ln>
-            <a:tailEnd type="arrow"/>
-          </a:ln>
-        </p:spPr>
-        <p:style>
-          <a:lnRef idx="3">
-            <a:schemeClr val="accent2"/>
-          </a:lnRef>
-          <a:fillRef idx="0">
-            <a:schemeClr val="accent2"/>
-          </a:fillRef>
-          <a:effectRef idx="2">
-            <a:schemeClr val="accent2"/>
-          </a:effectRef>
-          <a:fontRef idx="minor">
-            <a:schemeClr val="tx1"/>
-          </a:fontRef>
-        </p:style>
-      </p:cxnSp>
-      <p:sp>
-        <p:nvSpPr>
-          <p:cNvPr id="18" name="Rounded Rectangle 17"/>
+      <p:sp>
+        <p:nvSpPr>
+          <p:cNvPr id="104" name="TextBox 103"/>
+          <p:cNvSpPr txBox="1"/>
+          <p:nvPr/>
+        </p:nvSpPr>
+        <p:spPr>
+          <a:xfrm>
+            <a:off x="5610225" y="2539028"/>
+            <a:ext cx="685800" cy="246221"/>
+          </a:xfrm>
+          <a:prstGeom prst="rect">
+            <a:avLst/>
+          </a:prstGeom>
+          <a:noFill/>
+        </p:spPr>
+        <p:txBody>
+          <a:bodyPr wrap="square" rtlCol="0">
+            <a:spAutoFit/>
+          </a:bodyPr>
+          <a:lstStyle/>
+          <a:p>
+            <a:r>
+              <a:rPr lang="en-US" sz="1000" dirty="0" smtClean="0"/>
+              <a:t>executes</a:t>
+            </a:r>
+            <a:endParaRPr lang="en-US" sz="1000" dirty="0"/>
+          </a:p>
+        </p:txBody>
+      </p:sp>
+      <p:sp>
+        <p:nvSpPr>
+          <p:cNvPr id="73" name="Flowchart: Magnetic Disk 72"/>
           <p:cNvSpPr/>
           <p:nvPr/>
         </p:nvSpPr>
         <p:spPr>
           <a:xfrm>
-            <a:off x="4191000" y="3981450"/>
-            <a:ext cx="2590800" cy="2457450"/>
-          </a:xfrm>
-          <a:prstGeom prst="roundRect">
-            <a:avLst/>
-          </a:prstGeom>
-        </p:spPr>
-        <p:style>
-          <a:lnRef idx="2">
-            <a:schemeClr val="accent1">
-              <a:shade val="50000"/>
-            </a:schemeClr>
-          </a:lnRef>
-          <a:fillRef idx="1">
-            <a:schemeClr val="accent1"/>
-          </a:fillRef>
-          <a:effectRef idx="0">
-            <a:schemeClr val="accent1"/>
-          </a:effectRef>
-          <a:fontRef idx="minor">
-            <a:schemeClr val="lt1"/>
-          </a:fontRef>
-        </p:style>
-        <p:txBody>
-          <a:bodyPr rtlCol="0" anchor="t"/>
-          <a:lstStyle/>
-          <a:p>
-            <a:r>
-              <a:rPr lang="en-US" dirty="0" err="1" smtClean="0"/>
-              <a:t>JobQueue</a:t>
-            </a:r>
-            <a:r>
-              <a:rPr lang="en-US" dirty="0" smtClean="0"/>
-              <a:t> Solution</a:t>
-            </a:r>
-            <a:endParaRPr lang="en-US" dirty="0"/>
-          </a:p>
-        </p:txBody>
-      </p:sp>
-      <p:sp>
-        <p:nvSpPr>
-          <p:cNvPr id="21" name="Flowchart: Magnetic Disk 20"/>
-          <p:cNvSpPr/>
-          <p:nvPr/>
-        </p:nvSpPr>
-        <p:spPr>
-          <a:xfrm>
-            <a:off x="2133600" y="2476500"/>
-            <a:ext cx="1143000" cy="952500"/>
+            <a:off x="6629400" y="3505200"/>
+            <a:ext cx="1143000" cy="647700"/>
           </a:xfrm>
           <a:prstGeom prst="flowChartMagneticDisk">
             <a:avLst/>
@@ -4883,56 +5634,21 @@
             <a:pPr algn="ctr"/>
             <a:r>
               <a:rPr lang="en-US" sz="1400" dirty="0" smtClean="0"/>
-              <a:t>V1 DB</a:t>
+              <a:t>Executed Jobs</a:t>
             </a:r>
             <a:endParaRPr lang="en-US" sz="1400" dirty="0"/>
           </a:p>
         </p:txBody>
       </p:sp>
-      <p:cxnSp>
-        <p:nvCxnSpPr>
-          <p:cNvPr id="22" name="Straight Arrow Connector 21"/>
-          <p:cNvCxnSpPr>
-            <a:stCxn id="5" idx="0"/>
-          </p:cNvCxnSpPr>
-          <p:nvPr/>
-        </p:nvCxnSpPr>
-        <p:spPr>
-          <a:xfrm flipV="1">
-            <a:off x="2705100" y="3429000"/>
-            <a:ext cx="0" cy="266700"/>
-          </a:xfrm>
-          <a:prstGeom prst="straightConnector1">
-            <a:avLst/>
-          </a:prstGeom>
-          <a:ln>
-            <a:tailEnd type="arrow"/>
-          </a:ln>
-        </p:spPr>
-        <p:style>
-          <a:lnRef idx="3">
-            <a:schemeClr val="accent2"/>
-          </a:lnRef>
-          <a:fillRef idx="0">
-            <a:schemeClr val="accent2"/>
-          </a:fillRef>
-          <a:effectRef idx="2">
-            <a:schemeClr val="accent2"/>
-          </a:effectRef>
-          <a:fontRef idx="minor">
-            <a:schemeClr val="tx1"/>
-          </a:fontRef>
-        </p:style>
-      </p:cxnSp>
-      <p:sp>
-        <p:nvSpPr>
-          <p:cNvPr id="25" name="Flowchart: Magnetic Disk 24"/>
+      <p:sp>
+        <p:nvSpPr>
+          <p:cNvPr id="77" name="Flowchart: Magnetic Disk 76"/>
           <p:cNvSpPr/>
           <p:nvPr/>
         </p:nvSpPr>
         <p:spPr>
           <a:xfrm>
-            <a:off x="5334000" y="5638800"/>
+            <a:off x="6629400" y="4572000"/>
             <a:ext cx="1143000" cy="647700"/>
           </a:xfrm>
           <a:prstGeom prst="flowChartMagneticDisk">
@@ -4962,103 +5678,31 @@
             <a:pPr algn="ctr"/>
             <a:r>
               <a:rPr lang="en-US" sz="1400" dirty="0" err="1" smtClean="0"/>
-              <a:t>JobQueue</a:t>
+              <a:t>Errored</a:t>
+            </a:r>
+            <a:r>
+              <a:rPr lang="en-US" sz="1400" dirty="0" smtClean="0"/>
+              <a:t> Jobs</a:t>
             </a:r>
             <a:endParaRPr lang="en-US" sz="1400" dirty="0"/>
-          </a:p>
-        </p:txBody>
-      </p:sp>
-      <p:sp>
-        <p:nvSpPr>
-          <p:cNvPr id="26" name="Flowchart: Connector 25"/>
-          <p:cNvSpPr/>
-          <p:nvPr/>
-        </p:nvSpPr>
-        <p:spPr>
-          <a:xfrm>
-            <a:off x="4038600" y="5486400"/>
-            <a:ext cx="304800" cy="304800"/>
-          </a:xfrm>
-          <a:prstGeom prst="flowChartConnector">
-            <a:avLst/>
-          </a:prstGeom>
-        </p:spPr>
-        <p:style>
-          <a:lnRef idx="2">
-            <a:schemeClr val="accent6"/>
-          </a:lnRef>
-          <a:fillRef idx="1">
-            <a:schemeClr val="lt1"/>
-          </a:fillRef>
-          <a:effectRef idx="0">
-            <a:schemeClr val="accent6"/>
-          </a:effectRef>
-          <a:fontRef idx="minor">
-            <a:schemeClr val="dk1"/>
-          </a:fontRef>
-        </p:style>
-        <p:txBody>
-          <a:bodyPr rtlCol="0" anchor="ctr"/>
-          <a:lstStyle/>
-          <a:p>
-            <a:pPr algn="ctr"/>
-            <a:endParaRPr lang="en-US"/>
-          </a:p>
-        </p:txBody>
-      </p:sp>
-      <p:sp>
-        <p:nvSpPr>
-          <p:cNvPr id="27" name="Flowchart: Connector 26"/>
-          <p:cNvSpPr/>
-          <p:nvPr/>
-        </p:nvSpPr>
-        <p:spPr>
-          <a:xfrm>
-            <a:off x="4038600" y="4953000"/>
-            <a:ext cx="304800" cy="304800"/>
-          </a:xfrm>
-          <a:prstGeom prst="flowChartConnector">
-            <a:avLst/>
-          </a:prstGeom>
-        </p:spPr>
-        <p:style>
-          <a:lnRef idx="2">
-            <a:schemeClr val="accent6"/>
-          </a:lnRef>
-          <a:fillRef idx="1">
-            <a:schemeClr val="lt1"/>
-          </a:fillRef>
-          <a:effectRef idx="0">
-            <a:schemeClr val="accent6"/>
-          </a:effectRef>
-          <a:fontRef idx="minor">
-            <a:schemeClr val="dk1"/>
-          </a:fontRef>
-        </p:style>
-        <p:txBody>
-          <a:bodyPr rtlCol="0" anchor="ctr"/>
-          <a:lstStyle/>
-          <a:p>
-            <a:pPr algn="ctr"/>
-            <a:endParaRPr lang="en-US"/>
           </a:p>
         </p:txBody>
       </p:sp>
       <p:cxnSp>
         <p:nvCxnSpPr>
-          <p:cNvPr id="28" name="Straight Arrow Connector 27"/>
+          <p:cNvPr id="78" name="Straight Arrow Connector 77"/>
           <p:cNvCxnSpPr>
-            <a:stCxn id="5" idx="2"/>
-            <a:endCxn id="27" idx="2"/>
+            <a:stCxn id="59" idx="3"/>
+            <a:endCxn id="73" idx="2"/>
           </p:cNvCxnSpPr>
           <p:nvPr/>
         </p:nvCxnSpPr>
         <p:spPr>
-          <a:xfrm rot="16200000" flipH="1">
-            <a:off x="2990850" y="4057650"/>
-            <a:ext cx="762000" cy="1333500"/>
-          </a:xfrm>
-          <a:prstGeom prst="bentConnector2">
+          <a:xfrm>
+            <a:off x="5867400" y="3790950"/>
+            <a:ext cx="762000" cy="38100"/>
+          </a:xfrm>
+          <a:prstGeom prst="straightConnector1">
             <a:avLst/>
           </a:prstGeom>
           <a:ln>
@@ -5082,21 +5726,20 @@
       </p:cxnSp>
       <p:cxnSp>
         <p:nvCxnSpPr>
-          <p:cNvPr id="32" name="Straight Arrow Connector 27"/>
+          <p:cNvPr id="81" name="Straight Arrow Connector 80"/>
           <p:cNvCxnSpPr>
-            <a:endCxn id="26" idx="2"/>
+            <a:stCxn id="59" idx="3"/>
+            <a:endCxn id="77" idx="2"/>
           </p:cNvCxnSpPr>
           <p:nvPr/>
         </p:nvCxnSpPr>
         <p:spPr>
           <a:xfrm>
-            <a:off x="2514600" y="4343400"/>
-            <a:ext cx="1524000" cy="1295400"/>
-          </a:xfrm>
-          <a:prstGeom prst="bentConnector3">
-            <a:avLst>
-              <a:gd name="adj1" fmla="val -714"/>
-            </a:avLst>
+            <a:off x="5867400" y="3790950"/>
+            <a:ext cx="762000" cy="1104900"/>
+          </a:xfrm>
+          <a:prstGeom prst="straightConnector1">
+            <a:avLst/>
           </a:prstGeom>
           <a:ln>
             <a:tailEnd type="arrow"/>
@@ -5117,1479 +5760,6 @@
           </a:fontRef>
         </p:style>
       </p:cxnSp>
-      <p:sp>
-        <p:nvSpPr>
-          <p:cNvPr id="41" name="TextBox 40"/>
-          <p:cNvSpPr txBox="1"/>
-          <p:nvPr/>
-        </p:nvSpPr>
-        <p:spPr>
-          <a:xfrm>
-            <a:off x="2743200" y="4882241"/>
-            <a:ext cx="990600" cy="246221"/>
-          </a:xfrm>
-          <a:prstGeom prst="rect">
-            <a:avLst/>
-          </a:prstGeom>
-          <a:noFill/>
-        </p:spPr>
-        <p:txBody>
-          <a:bodyPr wrap="square" rtlCol="0">
-            <a:spAutoFit/>
-          </a:bodyPr>
-          <a:lstStyle/>
-          <a:p>
-            <a:r>
-              <a:rPr lang="en-US" sz="1000" dirty="0" smtClean="0"/>
-              <a:t>Sends new job</a:t>
-            </a:r>
-            <a:endParaRPr lang="en-US" sz="1000" dirty="0"/>
-          </a:p>
-        </p:txBody>
-      </p:sp>
-      <p:sp>
-        <p:nvSpPr>
-          <p:cNvPr id="42" name="TextBox 41"/>
-          <p:cNvSpPr txBox="1"/>
-          <p:nvPr/>
-        </p:nvSpPr>
-        <p:spPr>
-          <a:xfrm>
-            <a:off x="2743200" y="5099957"/>
-            <a:ext cx="1295400" cy="246221"/>
-          </a:xfrm>
-          <a:prstGeom prst="rect">
-            <a:avLst/>
-          </a:prstGeom>
-          <a:noFill/>
-        </p:spPr>
-        <p:txBody>
-          <a:bodyPr wrap="square" rtlCol="0">
-            <a:spAutoFit/>
-          </a:bodyPr>
-          <a:lstStyle/>
-          <a:p>
-            <a:r>
-              <a:rPr lang="en-US" sz="1000" dirty="0" smtClean="0"/>
-              <a:t>(Job ID returned)</a:t>
-            </a:r>
-            <a:endParaRPr lang="en-US" sz="1000" dirty="0"/>
-          </a:p>
-        </p:txBody>
-      </p:sp>
-      <p:sp>
-        <p:nvSpPr>
-          <p:cNvPr id="43" name="TextBox 42"/>
-          <p:cNvSpPr txBox="1"/>
-          <p:nvPr/>
-        </p:nvSpPr>
-        <p:spPr>
-          <a:xfrm>
-            <a:off x="2705100" y="5403463"/>
-            <a:ext cx="1257300" cy="246221"/>
-          </a:xfrm>
-          <a:prstGeom prst="rect">
-            <a:avLst/>
-          </a:prstGeom>
-          <a:noFill/>
-        </p:spPr>
-        <p:txBody>
-          <a:bodyPr wrap="square" rtlCol="0">
-            <a:spAutoFit/>
-          </a:bodyPr>
-          <a:lstStyle/>
-          <a:p>
-            <a:r>
-              <a:rPr lang="en-US" sz="1000" dirty="0" smtClean="0"/>
-              <a:t>Asks if the job done</a:t>
-            </a:r>
-            <a:endParaRPr lang="en-US" sz="1000" dirty="0"/>
-          </a:p>
-        </p:txBody>
-      </p:sp>
-      <p:sp>
-        <p:nvSpPr>
-          <p:cNvPr id="44" name="TextBox 43"/>
-          <p:cNvSpPr txBox="1"/>
-          <p:nvPr/>
-        </p:nvSpPr>
-        <p:spPr>
-          <a:xfrm>
-            <a:off x="2667000" y="5621179"/>
-            <a:ext cx="1295400" cy="246221"/>
-          </a:xfrm>
-          <a:prstGeom prst="rect">
-            <a:avLst/>
-          </a:prstGeom>
-          <a:noFill/>
-        </p:spPr>
-        <p:txBody>
-          <a:bodyPr wrap="square" rtlCol="0">
-            <a:spAutoFit/>
-          </a:bodyPr>
-          <a:lstStyle/>
-          <a:p>
-            <a:r>
-              <a:rPr lang="en-US" sz="1000" dirty="0" smtClean="0"/>
-              <a:t>(true/false returned)</a:t>
-            </a:r>
-            <a:endParaRPr lang="en-US" sz="1000" dirty="0"/>
-          </a:p>
-        </p:txBody>
-      </p:sp>
-      <p:cxnSp>
-        <p:nvCxnSpPr>
-          <p:cNvPr id="49" name="Straight Arrow Connector 48"/>
-          <p:cNvCxnSpPr>
-            <a:stCxn id="27" idx="5"/>
-            <a:endCxn id="25" idx="2"/>
-          </p:cNvCxnSpPr>
-          <p:nvPr/>
-        </p:nvCxnSpPr>
-        <p:spPr>
-          <a:xfrm>
-            <a:off x="4298763" y="5213163"/>
-            <a:ext cx="1035237" cy="749487"/>
-          </a:xfrm>
-          <a:prstGeom prst="straightConnector1">
-            <a:avLst/>
-          </a:prstGeom>
-          <a:ln>
-            <a:tailEnd type="arrow"/>
-          </a:ln>
-        </p:spPr>
-        <p:style>
-          <a:lnRef idx="3">
-            <a:schemeClr val="accent2"/>
-          </a:lnRef>
-          <a:fillRef idx="0">
-            <a:schemeClr val="accent2"/>
-          </a:fillRef>
-          <a:effectRef idx="2">
-            <a:schemeClr val="accent2"/>
-          </a:effectRef>
-          <a:fontRef idx="minor">
-            <a:schemeClr val="tx1"/>
-          </a:fontRef>
-        </p:style>
-      </p:cxnSp>
-      <p:cxnSp>
-        <p:nvCxnSpPr>
-          <p:cNvPr id="52" name="Straight Arrow Connector 51"/>
-          <p:cNvCxnSpPr>
-            <a:stCxn id="26" idx="6"/>
-            <a:endCxn id="25" idx="2"/>
-          </p:cNvCxnSpPr>
-          <p:nvPr/>
-        </p:nvCxnSpPr>
-        <p:spPr>
-          <a:xfrm>
-            <a:off x="4343400" y="5638800"/>
-            <a:ext cx="990600" cy="323850"/>
-          </a:xfrm>
-          <a:prstGeom prst="straightConnector1">
-            <a:avLst/>
-          </a:prstGeom>
-          <a:ln>
-            <a:tailEnd type="arrow"/>
-          </a:ln>
-        </p:spPr>
-        <p:style>
-          <a:lnRef idx="3">
-            <a:schemeClr val="accent2"/>
-          </a:lnRef>
-          <a:fillRef idx="0">
-            <a:schemeClr val="accent2"/>
-          </a:fillRef>
-          <a:effectRef idx="2">
-            <a:schemeClr val="accent2"/>
-          </a:effectRef>
-          <a:fontRef idx="minor">
-            <a:schemeClr val="tx1"/>
-          </a:fontRef>
-        </p:style>
-      </p:cxnSp>
-      <p:sp>
-        <p:nvSpPr>
-          <p:cNvPr id="59" name="Rectangle 58"/>
-          <p:cNvSpPr/>
-          <p:nvPr/>
-        </p:nvSpPr>
-        <p:spPr>
-          <a:xfrm>
-            <a:off x="5181600" y="4533900"/>
-            <a:ext cx="1371600" cy="647700"/>
-          </a:xfrm>
-          <a:prstGeom prst="rect">
-            <a:avLst/>
-          </a:prstGeom>
-        </p:spPr>
-        <p:style>
-          <a:lnRef idx="2">
-            <a:schemeClr val="accent3">
-              <a:shade val="50000"/>
-            </a:schemeClr>
-          </a:lnRef>
-          <a:fillRef idx="1">
-            <a:schemeClr val="accent3"/>
-          </a:fillRef>
-          <a:effectRef idx="0">
-            <a:schemeClr val="accent3"/>
-          </a:effectRef>
-          <a:fontRef idx="minor">
-            <a:schemeClr val="lt1"/>
-          </a:fontRef>
-        </p:style>
-        <p:txBody>
-          <a:bodyPr rtlCol="0" anchor="ctr"/>
-          <a:lstStyle/>
-          <a:p>
-            <a:pPr algn="ctr"/>
-            <a:r>
-              <a:rPr lang="en-US" sz="1400" dirty="0" smtClean="0"/>
-              <a:t>Job Execution Service</a:t>
-            </a:r>
-            <a:endParaRPr lang="en-US" sz="1400" dirty="0"/>
-          </a:p>
-        </p:txBody>
-      </p:sp>
-      <p:cxnSp>
-        <p:nvCxnSpPr>
-          <p:cNvPr id="60" name="Straight Arrow Connector 59"/>
-          <p:cNvCxnSpPr>
-            <a:stCxn id="25" idx="1"/>
-            <a:endCxn id="59" idx="2"/>
-          </p:cNvCxnSpPr>
-          <p:nvPr/>
-        </p:nvCxnSpPr>
-        <p:spPr>
-          <a:xfrm flipH="1" flipV="1">
-            <a:off x="5867400" y="5181600"/>
-            <a:ext cx="38100" cy="457200"/>
-          </a:xfrm>
-          <a:prstGeom prst="straightConnector1">
-            <a:avLst/>
-          </a:prstGeom>
-          <a:ln>
-            <a:tailEnd type="arrow"/>
-          </a:ln>
-        </p:spPr>
-        <p:style>
-          <a:lnRef idx="3">
-            <a:schemeClr val="accent2"/>
-          </a:lnRef>
-          <a:fillRef idx="0">
-            <a:schemeClr val="accent2"/>
-          </a:fillRef>
-          <a:effectRef idx="2">
-            <a:schemeClr val="accent2"/>
-          </a:effectRef>
-          <a:fontRef idx="minor">
-            <a:schemeClr val="tx1"/>
-          </a:fontRef>
-        </p:style>
-      </p:cxnSp>
-      <p:sp>
-        <p:nvSpPr>
-          <p:cNvPr id="63" name="TextBox 62"/>
-          <p:cNvSpPr txBox="1"/>
-          <p:nvPr/>
-        </p:nvSpPr>
-        <p:spPr>
-          <a:xfrm>
-            <a:off x="4648200" y="5302123"/>
-            <a:ext cx="685800" cy="246221"/>
-          </a:xfrm>
-          <a:prstGeom prst="rect">
-            <a:avLst/>
-          </a:prstGeom>
-          <a:noFill/>
-        </p:spPr>
-        <p:txBody>
-          <a:bodyPr wrap="square" rtlCol="0">
-            <a:spAutoFit/>
-          </a:bodyPr>
-          <a:lstStyle/>
-          <a:p>
-            <a:r>
-              <a:rPr lang="en-US" sz="1000" dirty="0" err="1" smtClean="0"/>
-              <a:t>enqueue</a:t>
-            </a:r>
-            <a:endParaRPr lang="en-US" sz="1000" dirty="0"/>
-          </a:p>
-        </p:txBody>
-      </p:sp>
-      <p:sp>
-        <p:nvSpPr>
-          <p:cNvPr id="64" name="TextBox 63"/>
-          <p:cNvSpPr txBox="1"/>
-          <p:nvPr/>
-        </p:nvSpPr>
-        <p:spPr>
-          <a:xfrm>
-            <a:off x="4320534" y="5745069"/>
-            <a:ext cx="685800" cy="246221"/>
-          </a:xfrm>
-          <a:prstGeom prst="rect">
-            <a:avLst/>
-          </a:prstGeom>
-          <a:noFill/>
-        </p:spPr>
-        <p:txBody>
-          <a:bodyPr wrap="square" rtlCol="0">
-            <a:spAutoFit/>
-          </a:bodyPr>
-          <a:lstStyle/>
-          <a:p>
-            <a:r>
-              <a:rPr lang="en-US" sz="1000" dirty="0" smtClean="0"/>
-              <a:t>check</a:t>
-            </a:r>
-            <a:endParaRPr lang="en-US" sz="1000" dirty="0"/>
-          </a:p>
-        </p:txBody>
-      </p:sp>
-      <p:sp>
-        <p:nvSpPr>
-          <p:cNvPr id="65" name="TextBox 64"/>
-          <p:cNvSpPr txBox="1"/>
-          <p:nvPr/>
-        </p:nvSpPr>
-        <p:spPr>
-          <a:xfrm>
-            <a:off x="5905500" y="5240179"/>
-            <a:ext cx="685800" cy="246221"/>
-          </a:xfrm>
-          <a:prstGeom prst="rect">
-            <a:avLst/>
-          </a:prstGeom>
-          <a:noFill/>
-        </p:spPr>
-        <p:txBody>
-          <a:bodyPr wrap="square" rtlCol="0">
-            <a:spAutoFit/>
-          </a:bodyPr>
-          <a:lstStyle/>
-          <a:p>
-            <a:r>
-              <a:rPr lang="en-US" sz="1000" dirty="0" err="1" smtClean="0"/>
-              <a:t>dequeue</a:t>
-            </a:r>
-            <a:endParaRPr lang="en-US" sz="1000" dirty="0"/>
-          </a:p>
-        </p:txBody>
-      </p:sp>
-      <p:sp>
-        <p:nvSpPr>
-          <p:cNvPr id="66" name="Rectangle 65"/>
-          <p:cNvSpPr/>
-          <p:nvPr/>
-        </p:nvSpPr>
-        <p:spPr>
-          <a:xfrm>
-            <a:off x="4343400" y="2895600"/>
-            <a:ext cx="838200" cy="609600"/>
-          </a:xfrm>
-          <a:prstGeom prst="rect">
-            <a:avLst/>
-          </a:prstGeom>
-        </p:spPr>
-        <p:style>
-          <a:lnRef idx="2">
-            <a:schemeClr val="accent2">
-              <a:shade val="50000"/>
-            </a:schemeClr>
-          </a:lnRef>
-          <a:fillRef idx="1">
-            <a:schemeClr val="accent2"/>
-          </a:fillRef>
-          <a:effectRef idx="0">
-            <a:schemeClr val="accent2"/>
-          </a:effectRef>
-          <a:fontRef idx="minor">
-            <a:schemeClr val="lt1"/>
-          </a:fontRef>
-        </p:style>
-        <p:txBody>
-          <a:bodyPr rtlCol="0" anchor="ctr"/>
-          <a:lstStyle/>
-          <a:p>
-            <a:pPr algn="ctr"/>
-            <a:r>
-              <a:rPr lang="en-US" sz="1400" dirty="0" smtClean="0"/>
-              <a:t>Job Library</a:t>
-            </a:r>
-            <a:endParaRPr lang="en-US" sz="1400" dirty="0"/>
-          </a:p>
-        </p:txBody>
-      </p:sp>
-      <p:cxnSp>
-        <p:nvCxnSpPr>
-          <p:cNvPr id="67" name="Straight Arrow Connector 66"/>
-          <p:cNvCxnSpPr>
-            <a:stCxn id="66" idx="2"/>
-            <a:endCxn id="27" idx="7"/>
-          </p:cNvCxnSpPr>
-          <p:nvPr/>
-        </p:nvCxnSpPr>
-        <p:spPr>
-          <a:xfrm flipH="1">
-            <a:off x="4298763" y="3505200"/>
-            <a:ext cx="463737" cy="1492437"/>
-          </a:xfrm>
-          <a:prstGeom prst="straightConnector1">
-            <a:avLst/>
-          </a:prstGeom>
-          <a:ln>
-            <a:tailEnd type="arrow"/>
-          </a:ln>
-        </p:spPr>
-        <p:style>
-          <a:lnRef idx="3">
-            <a:schemeClr val="accent2"/>
-          </a:lnRef>
-          <a:fillRef idx="0">
-            <a:schemeClr val="accent2"/>
-          </a:fillRef>
-          <a:effectRef idx="2">
-            <a:schemeClr val="accent2"/>
-          </a:effectRef>
-          <a:fontRef idx="minor">
-            <a:schemeClr val="tx1"/>
-          </a:fontRef>
-        </p:style>
-      </p:cxnSp>
-      <p:sp>
-        <p:nvSpPr>
-          <p:cNvPr id="70" name="TextBox 69"/>
-          <p:cNvSpPr txBox="1"/>
-          <p:nvPr/>
-        </p:nvSpPr>
-        <p:spPr>
-          <a:xfrm>
-            <a:off x="4354284" y="3581400"/>
-            <a:ext cx="827316" cy="553998"/>
-          </a:xfrm>
-          <a:prstGeom prst="rect">
-            <a:avLst/>
-          </a:prstGeom>
-          <a:noFill/>
-        </p:spPr>
-        <p:txBody>
-          <a:bodyPr wrap="square" rtlCol="0">
-            <a:spAutoFit/>
-          </a:bodyPr>
-          <a:lstStyle/>
-          <a:p>
-            <a:r>
-              <a:rPr lang="en-US" sz="1000" dirty="0" smtClean="0"/>
-              <a:t>Provides Serialization info</a:t>
-            </a:r>
-            <a:endParaRPr lang="en-US" sz="1000" dirty="0"/>
-          </a:p>
-        </p:txBody>
-      </p:sp>
-      <p:cxnSp>
-        <p:nvCxnSpPr>
-          <p:cNvPr id="71" name="Straight Arrow Connector 70"/>
-          <p:cNvCxnSpPr>
-            <a:stCxn id="66" idx="3"/>
-            <a:endCxn id="59" idx="0"/>
-          </p:cNvCxnSpPr>
-          <p:nvPr/>
-        </p:nvCxnSpPr>
-        <p:spPr>
-          <a:xfrm>
-            <a:off x="5181600" y="3200400"/>
-            <a:ext cx="685800" cy="1333500"/>
-          </a:xfrm>
-          <a:prstGeom prst="straightConnector1">
-            <a:avLst/>
-          </a:prstGeom>
-          <a:ln>
-            <a:tailEnd type="arrow"/>
-          </a:ln>
-        </p:spPr>
-        <p:style>
-          <a:lnRef idx="3">
-            <a:schemeClr val="accent2"/>
-          </a:lnRef>
-          <a:fillRef idx="0">
-            <a:schemeClr val="accent2"/>
-          </a:fillRef>
-          <a:effectRef idx="2">
-            <a:schemeClr val="accent2"/>
-          </a:effectRef>
-          <a:fontRef idx="minor">
-            <a:schemeClr val="tx1"/>
-          </a:fontRef>
-        </p:style>
-      </p:cxnSp>
-      <p:sp>
-        <p:nvSpPr>
-          <p:cNvPr id="74" name="TextBox 73"/>
-          <p:cNvSpPr txBox="1"/>
-          <p:nvPr/>
-        </p:nvSpPr>
-        <p:spPr>
-          <a:xfrm>
-            <a:off x="5257800" y="3352800"/>
-            <a:ext cx="990600" cy="553998"/>
-          </a:xfrm>
-          <a:prstGeom prst="rect">
-            <a:avLst/>
-          </a:prstGeom>
-          <a:noFill/>
-        </p:spPr>
-        <p:txBody>
-          <a:bodyPr wrap="square" rtlCol="0">
-            <a:spAutoFit/>
-          </a:bodyPr>
-          <a:lstStyle/>
-          <a:p>
-            <a:r>
-              <a:rPr lang="en-US" sz="1000" dirty="0" smtClean="0"/>
-              <a:t>Provides Deserialization info</a:t>
-            </a:r>
-            <a:endParaRPr lang="en-US" sz="1000" dirty="0"/>
-          </a:p>
-        </p:txBody>
-      </p:sp>
-      <p:sp>
-        <p:nvSpPr>
-          <p:cNvPr id="79" name="Rectangle 78"/>
-          <p:cNvSpPr/>
-          <p:nvPr/>
-        </p:nvSpPr>
-        <p:spPr>
-          <a:xfrm>
-            <a:off x="4267200" y="2819400"/>
-            <a:ext cx="838200" cy="609600"/>
-          </a:xfrm>
-          <a:prstGeom prst="rect">
-            <a:avLst/>
-          </a:prstGeom>
-        </p:spPr>
-        <p:style>
-          <a:lnRef idx="2">
-            <a:schemeClr val="accent2">
-              <a:shade val="50000"/>
-            </a:schemeClr>
-          </a:lnRef>
-          <a:fillRef idx="1">
-            <a:schemeClr val="accent2"/>
-          </a:fillRef>
-          <a:effectRef idx="0">
-            <a:schemeClr val="accent2"/>
-          </a:effectRef>
-          <a:fontRef idx="minor">
-            <a:schemeClr val="lt1"/>
-          </a:fontRef>
-        </p:style>
-        <p:txBody>
-          <a:bodyPr rtlCol="0" anchor="ctr"/>
-          <a:lstStyle/>
-          <a:p>
-            <a:pPr algn="ctr"/>
-            <a:r>
-              <a:rPr lang="en-US" sz="1400" dirty="0" smtClean="0"/>
-              <a:t>Job Library</a:t>
-            </a:r>
-            <a:endParaRPr lang="en-US" sz="1400" dirty="0"/>
-          </a:p>
-        </p:txBody>
-      </p:sp>
-      <p:sp>
-        <p:nvSpPr>
-          <p:cNvPr id="80" name="Rectangle 79"/>
-          <p:cNvSpPr/>
-          <p:nvPr/>
-        </p:nvSpPr>
-        <p:spPr>
-          <a:xfrm>
-            <a:off x="4191000" y="2743200"/>
-            <a:ext cx="838200" cy="609600"/>
-          </a:xfrm>
-          <a:prstGeom prst="rect">
-            <a:avLst/>
-          </a:prstGeom>
-        </p:spPr>
-        <p:style>
-          <a:lnRef idx="2">
-            <a:schemeClr val="accent2">
-              <a:shade val="50000"/>
-            </a:schemeClr>
-          </a:lnRef>
-          <a:fillRef idx="1">
-            <a:schemeClr val="accent2"/>
-          </a:fillRef>
-          <a:effectRef idx="0">
-            <a:schemeClr val="accent2"/>
-          </a:effectRef>
-          <a:fontRef idx="minor">
-            <a:schemeClr val="lt1"/>
-          </a:fontRef>
-        </p:style>
-        <p:txBody>
-          <a:bodyPr rtlCol="0" anchor="ctr"/>
-          <a:lstStyle/>
-          <a:p>
-            <a:pPr algn="ctr"/>
-            <a:r>
-              <a:rPr lang="en-US" sz="1400" dirty="0" smtClean="0"/>
-              <a:t>Job Library</a:t>
-            </a:r>
-            <a:endParaRPr lang="en-US" sz="1400" dirty="0"/>
-          </a:p>
-        </p:txBody>
-      </p:sp>
-      <p:cxnSp>
-        <p:nvCxnSpPr>
-          <p:cNvPr id="82" name="Straight Arrow Connector 81"/>
-          <p:cNvCxnSpPr>
-            <a:stCxn id="5" idx="3"/>
-            <a:endCxn id="80" idx="1"/>
-          </p:cNvCxnSpPr>
-          <p:nvPr/>
-        </p:nvCxnSpPr>
-        <p:spPr>
-          <a:xfrm flipV="1">
-            <a:off x="3276600" y="3048000"/>
-            <a:ext cx="914400" cy="971550"/>
-          </a:xfrm>
-          <a:prstGeom prst="straightConnector1">
-            <a:avLst/>
-          </a:prstGeom>
-          <a:ln>
-            <a:prstDash val="sysDot"/>
-            <a:tailEnd type="arrow"/>
-          </a:ln>
-        </p:spPr>
-        <p:style>
-          <a:lnRef idx="3">
-            <a:schemeClr val="accent2"/>
-          </a:lnRef>
-          <a:fillRef idx="0">
-            <a:schemeClr val="accent2"/>
-          </a:fillRef>
-          <a:effectRef idx="2">
-            <a:schemeClr val="accent2"/>
-          </a:effectRef>
-          <a:fontRef idx="minor">
-            <a:schemeClr val="tx1"/>
-          </a:fontRef>
-        </p:style>
-      </p:cxnSp>
-      <p:sp>
-        <p:nvSpPr>
-          <p:cNvPr id="85" name="TextBox 84"/>
-          <p:cNvSpPr txBox="1"/>
-          <p:nvPr/>
-        </p:nvSpPr>
-        <p:spPr>
-          <a:xfrm>
-            <a:off x="3543300" y="3458289"/>
-            <a:ext cx="685800" cy="400110"/>
-          </a:xfrm>
-          <a:prstGeom prst="rect">
-            <a:avLst/>
-          </a:prstGeom>
-          <a:noFill/>
-        </p:spPr>
-        <p:txBody>
-          <a:bodyPr wrap="square" rtlCol="0">
-            <a:spAutoFit/>
-          </a:bodyPr>
-          <a:lstStyle/>
-          <a:p>
-            <a:r>
-              <a:rPr lang="en-US" sz="1000" dirty="0" smtClean="0"/>
-              <a:t>Is aware of</a:t>
-            </a:r>
-            <a:endParaRPr lang="en-US" sz="1000" dirty="0"/>
-          </a:p>
-        </p:txBody>
-      </p:sp>
-      <p:sp>
-        <p:nvSpPr>
-          <p:cNvPr id="86" name="Rounded Rectangle 85"/>
-          <p:cNvSpPr/>
-          <p:nvPr/>
-        </p:nvSpPr>
-        <p:spPr>
-          <a:xfrm>
-            <a:off x="7315200" y="1676400"/>
-            <a:ext cx="1524000" cy="3200400"/>
-          </a:xfrm>
-          <a:prstGeom prst="roundRect">
-            <a:avLst/>
-          </a:prstGeom>
-        </p:spPr>
-        <p:style>
-          <a:lnRef idx="2">
-            <a:schemeClr val="accent1">
-              <a:shade val="50000"/>
-            </a:schemeClr>
-          </a:lnRef>
-          <a:fillRef idx="1">
-            <a:schemeClr val="accent1"/>
-          </a:fillRef>
-          <a:effectRef idx="0">
-            <a:schemeClr val="accent1"/>
-          </a:effectRef>
-          <a:fontRef idx="minor">
-            <a:schemeClr val="lt1"/>
-          </a:fontRef>
-        </p:style>
-        <p:txBody>
-          <a:bodyPr rtlCol="0" anchor="t"/>
-          <a:lstStyle/>
-          <a:p>
-            <a:pPr algn="ctr"/>
-            <a:r>
-              <a:rPr lang="en-US" dirty="0" smtClean="0"/>
-              <a:t>V2</a:t>
-            </a:r>
-            <a:endParaRPr lang="en-US" dirty="0"/>
-          </a:p>
-        </p:txBody>
-      </p:sp>
-      <p:sp>
-        <p:nvSpPr>
-          <p:cNvPr id="87" name="Flowchart: Magnetic Disk 86"/>
-          <p:cNvSpPr/>
-          <p:nvPr/>
-        </p:nvSpPr>
-        <p:spPr>
-          <a:xfrm>
-            <a:off x="7543800" y="2481944"/>
-            <a:ext cx="1143000" cy="952500"/>
-          </a:xfrm>
-          <a:prstGeom prst="flowChartMagneticDisk">
-            <a:avLst/>
-          </a:prstGeom>
-        </p:spPr>
-        <p:style>
-          <a:lnRef idx="2">
-            <a:schemeClr val="accent4">
-              <a:shade val="50000"/>
-            </a:schemeClr>
-          </a:lnRef>
-          <a:fillRef idx="1">
-            <a:schemeClr val="accent4"/>
-          </a:fillRef>
-          <a:effectRef idx="0">
-            <a:schemeClr val="accent4"/>
-          </a:effectRef>
-          <a:fontRef idx="minor">
-            <a:schemeClr val="lt1"/>
-          </a:fontRef>
-        </p:style>
-        <p:txBody>
-          <a:bodyPr rtlCol="0" anchor="ctr"/>
-          <a:lstStyle/>
-          <a:p>
-            <a:pPr algn="ctr"/>
-            <a:r>
-              <a:rPr lang="en-US" sz="1400" dirty="0" smtClean="0"/>
-              <a:t>V2 DB</a:t>
-            </a:r>
-            <a:endParaRPr lang="en-US" sz="1400" dirty="0"/>
-          </a:p>
-        </p:txBody>
-      </p:sp>
-      <p:sp>
-        <p:nvSpPr>
-          <p:cNvPr id="88" name="Rectangle 87"/>
-          <p:cNvSpPr/>
-          <p:nvPr/>
-        </p:nvSpPr>
-        <p:spPr>
-          <a:xfrm>
-            <a:off x="5886450" y="1828800"/>
-            <a:ext cx="971550" cy="685800"/>
-          </a:xfrm>
-          <a:prstGeom prst="rect">
-            <a:avLst/>
-          </a:prstGeom>
-        </p:spPr>
-        <p:style>
-          <a:lnRef idx="2">
-            <a:schemeClr val="accent6">
-              <a:shade val="50000"/>
-            </a:schemeClr>
-          </a:lnRef>
-          <a:fillRef idx="1">
-            <a:schemeClr val="accent6"/>
-          </a:fillRef>
-          <a:effectRef idx="0">
-            <a:schemeClr val="accent6"/>
-          </a:effectRef>
-          <a:fontRef idx="minor">
-            <a:schemeClr val="lt1"/>
-          </a:fontRef>
-        </p:style>
-        <p:txBody>
-          <a:bodyPr rtlCol="0" anchor="ctr"/>
-          <a:lstStyle/>
-          <a:p>
-            <a:pPr algn="ctr"/>
-            <a:r>
-              <a:rPr lang="en-US" sz="1400" dirty="0" smtClean="0"/>
-              <a:t>Job object</a:t>
-            </a:r>
-            <a:endParaRPr lang="en-US" sz="1400" dirty="0"/>
-          </a:p>
-        </p:txBody>
-      </p:sp>
-      <p:cxnSp>
-        <p:nvCxnSpPr>
-          <p:cNvPr id="89" name="Straight Arrow Connector 88"/>
-          <p:cNvCxnSpPr>
-            <a:endCxn id="88" idx="2"/>
-          </p:cNvCxnSpPr>
-          <p:nvPr/>
-        </p:nvCxnSpPr>
-        <p:spPr>
-          <a:xfrm flipV="1">
-            <a:off x="6248400" y="2514600"/>
-            <a:ext cx="123825" cy="2019300"/>
-          </a:xfrm>
-          <a:prstGeom prst="straightConnector1">
-            <a:avLst/>
-          </a:prstGeom>
-          <a:ln>
-            <a:tailEnd type="arrow"/>
-          </a:ln>
-        </p:spPr>
-        <p:style>
-          <a:lnRef idx="3">
-            <a:schemeClr val="accent2"/>
-          </a:lnRef>
-          <a:fillRef idx="0">
-            <a:schemeClr val="accent2"/>
-          </a:fillRef>
-          <a:effectRef idx="2">
-            <a:schemeClr val="accent2"/>
-          </a:effectRef>
-          <a:fontRef idx="minor">
-            <a:schemeClr val="tx1"/>
-          </a:fontRef>
-        </p:style>
-      </p:cxnSp>
-      <p:cxnSp>
-        <p:nvCxnSpPr>
-          <p:cNvPr id="95" name="Straight Arrow Connector 94"/>
-          <p:cNvCxnSpPr>
-            <a:stCxn id="88" idx="1"/>
-            <a:endCxn id="21" idx="4"/>
-          </p:cNvCxnSpPr>
-          <p:nvPr/>
-        </p:nvCxnSpPr>
-        <p:spPr>
-          <a:xfrm flipH="1">
-            <a:off x="3276600" y="2171700"/>
-            <a:ext cx="2609850" cy="781050"/>
-          </a:xfrm>
-          <a:prstGeom prst="straightConnector1">
-            <a:avLst/>
-          </a:prstGeom>
-          <a:ln>
-            <a:tailEnd type="arrow"/>
-          </a:ln>
-        </p:spPr>
-        <p:style>
-          <a:lnRef idx="2">
-            <a:schemeClr val="accent6">
-              <a:shade val="50000"/>
-            </a:schemeClr>
-          </a:lnRef>
-          <a:fillRef idx="1">
-            <a:schemeClr val="accent6"/>
-          </a:fillRef>
-          <a:effectRef idx="0">
-            <a:schemeClr val="accent6"/>
-          </a:effectRef>
-          <a:fontRef idx="minor">
-            <a:schemeClr val="lt1"/>
-          </a:fontRef>
-        </p:style>
-      </p:cxnSp>
-      <p:cxnSp>
-        <p:nvCxnSpPr>
-          <p:cNvPr id="99" name="Straight Arrow Connector 98"/>
-          <p:cNvCxnSpPr>
-            <a:endCxn id="87" idx="2"/>
-          </p:cNvCxnSpPr>
-          <p:nvPr/>
-        </p:nvCxnSpPr>
-        <p:spPr>
-          <a:xfrm>
-            <a:off x="6858000" y="2171700"/>
-            <a:ext cx="685800" cy="786494"/>
-          </a:xfrm>
-          <a:prstGeom prst="straightConnector1">
-            <a:avLst/>
-          </a:prstGeom>
-          <a:ln>
-            <a:tailEnd type="arrow"/>
-          </a:ln>
-        </p:spPr>
-        <p:style>
-          <a:lnRef idx="2">
-            <a:schemeClr val="accent6">
-              <a:shade val="50000"/>
-            </a:schemeClr>
-          </a:lnRef>
-          <a:fillRef idx="1">
-            <a:schemeClr val="accent6"/>
-          </a:fillRef>
-          <a:effectRef idx="0">
-            <a:schemeClr val="accent6"/>
-          </a:effectRef>
-          <a:fontRef idx="minor">
-            <a:schemeClr val="lt1"/>
-          </a:fontRef>
-        </p:style>
-      </p:cxnSp>
-      <p:sp>
-        <p:nvSpPr>
-          <p:cNvPr id="102" name="TextBox 101"/>
-          <p:cNvSpPr txBox="1"/>
-          <p:nvPr/>
-        </p:nvSpPr>
-        <p:spPr>
-          <a:xfrm>
-            <a:off x="4800600" y="2179218"/>
-            <a:ext cx="685800" cy="400110"/>
-          </a:xfrm>
-          <a:prstGeom prst="rect">
-            <a:avLst/>
-          </a:prstGeom>
-          <a:noFill/>
-        </p:spPr>
-        <p:txBody>
-          <a:bodyPr wrap="square" rtlCol="0">
-            <a:spAutoFit/>
-          </a:bodyPr>
-          <a:lstStyle/>
-          <a:p>
-            <a:r>
-              <a:rPr lang="en-US" sz="1000" dirty="0" smtClean="0"/>
-              <a:t>Reads  from</a:t>
-            </a:r>
-            <a:endParaRPr lang="en-US" sz="1000" dirty="0"/>
-          </a:p>
-        </p:txBody>
-      </p:sp>
-      <p:sp>
-        <p:nvSpPr>
-          <p:cNvPr id="103" name="TextBox 102"/>
-          <p:cNvSpPr txBox="1"/>
-          <p:nvPr/>
-        </p:nvSpPr>
-        <p:spPr>
-          <a:xfrm>
-            <a:off x="6858000" y="2496979"/>
-            <a:ext cx="533400" cy="400110"/>
-          </a:xfrm>
-          <a:prstGeom prst="rect">
-            <a:avLst/>
-          </a:prstGeom>
-          <a:noFill/>
-        </p:spPr>
-        <p:txBody>
-          <a:bodyPr wrap="square" rtlCol="0">
-            <a:spAutoFit/>
-          </a:bodyPr>
-          <a:lstStyle/>
-          <a:p>
-            <a:r>
-              <a:rPr lang="en-US" sz="1000" dirty="0" smtClean="0"/>
-              <a:t>Writes to</a:t>
-            </a:r>
-            <a:endParaRPr lang="en-US" sz="1000" dirty="0"/>
-          </a:p>
-        </p:txBody>
-      </p:sp>
-      <p:sp>
-        <p:nvSpPr>
-          <p:cNvPr id="104" name="TextBox 103"/>
-          <p:cNvSpPr txBox="1"/>
-          <p:nvPr/>
-        </p:nvSpPr>
-        <p:spPr>
-          <a:xfrm>
-            <a:off x="6281056" y="3356950"/>
-            <a:ext cx="685800" cy="246221"/>
-          </a:xfrm>
-          <a:prstGeom prst="rect">
-            <a:avLst/>
-          </a:prstGeom>
-          <a:noFill/>
-        </p:spPr>
-        <p:txBody>
-          <a:bodyPr wrap="square" rtlCol="0">
-            <a:spAutoFit/>
-          </a:bodyPr>
-          <a:lstStyle/>
-          <a:p>
-            <a:r>
-              <a:rPr lang="en-US" sz="1000" dirty="0" smtClean="0"/>
-              <a:t>executes</a:t>
-            </a:r>
-            <a:endParaRPr lang="en-US" sz="1000" dirty="0"/>
-          </a:p>
-        </p:txBody>
-      </p:sp>
-      <p:sp>
-        <p:nvSpPr>
-          <p:cNvPr id="108" name="Flowchart: Connector 107"/>
-          <p:cNvSpPr/>
-          <p:nvPr/>
-        </p:nvSpPr>
-        <p:spPr>
-          <a:xfrm>
-            <a:off x="495300" y="6286500"/>
-            <a:ext cx="304800" cy="304800"/>
-          </a:xfrm>
-          <a:prstGeom prst="flowChartConnector">
-            <a:avLst/>
-          </a:prstGeom>
-        </p:spPr>
-        <p:style>
-          <a:lnRef idx="2">
-            <a:schemeClr val="accent6"/>
-          </a:lnRef>
-          <a:fillRef idx="1">
-            <a:schemeClr val="lt1"/>
-          </a:fillRef>
-          <a:effectRef idx="0">
-            <a:schemeClr val="accent6"/>
-          </a:effectRef>
-          <a:fontRef idx="minor">
-            <a:schemeClr val="dk1"/>
-          </a:fontRef>
-        </p:style>
-        <p:txBody>
-          <a:bodyPr rtlCol="0" anchor="ctr"/>
-          <a:lstStyle/>
-          <a:p>
-            <a:pPr algn="ctr"/>
-            <a:endParaRPr lang="en-US"/>
-          </a:p>
-        </p:txBody>
-      </p:sp>
-      <p:sp>
-        <p:nvSpPr>
-          <p:cNvPr id="109" name="TextBox 108"/>
-          <p:cNvSpPr txBox="1"/>
-          <p:nvPr/>
-        </p:nvSpPr>
-        <p:spPr>
-          <a:xfrm>
-            <a:off x="805542" y="6270172"/>
-            <a:ext cx="2400300" cy="338554"/>
-          </a:xfrm>
-          <a:prstGeom prst="rect">
-            <a:avLst/>
-          </a:prstGeom>
-          <a:noFill/>
-        </p:spPr>
-        <p:txBody>
-          <a:bodyPr wrap="square" rtlCol="0">
-            <a:spAutoFit/>
-          </a:bodyPr>
-          <a:lstStyle/>
-          <a:p>
-            <a:r>
-              <a:rPr lang="en-US" sz="1600" dirty="0" err="1" smtClean="0"/>
-              <a:t>JobManager</a:t>
-            </a:r>
-            <a:r>
-              <a:rPr lang="en-US" sz="1600" dirty="0" smtClean="0"/>
-              <a:t> web service</a:t>
-            </a:r>
-            <a:endParaRPr lang="en-US" sz="1600" dirty="0"/>
-          </a:p>
-        </p:txBody>
-      </p:sp>
-      <p:sp>
-        <p:nvSpPr>
-          <p:cNvPr id="51" name="Oval 50"/>
-          <p:cNvSpPr/>
-          <p:nvPr/>
-        </p:nvSpPr>
-        <p:spPr>
-          <a:xfrm>
-            <a:off x="1333500" y="2590800"/>
-            <a:ext cx="342900" cy="337456"/>
-          </a:xfrm>
-          <a:prstGeom prst="ellipse">
-            <a:avLst/>
-          </a:prstGeom>
-        </p:spPr>
-        <p:style>
-          <a:lnRef idx="2">
-            <a:schemeClr val="accent3"/>
-          </a:lnRef>
-          <a:fillRef idx="1">
-            <a:schemeClr val="lt1"/>
-          </a:fillRef>
-          <a:effectRef idx="0">
-            <a:schemeClr val="accent3"/>
-          </a:effectRef>
-          <a:fontRef idx="minor">
-            <a:schemeClr val="dk1"/>
-          </a:fontRef>
-        </p:style>
-        <p:txBody>
-          <a:bodyPr rtlCol="0" anchor="ctr"/>
-          <a:lstStyle/>
-          <a:p>
-            <a:pPr algn="ctr"/>
-            <a:r>
-              <a:rPr lang="en-US" sz="1200" dirty="0" smtClean="0"/>
-              <a:t>1</a:t>
-            </a:r>
-            <a:endParaRPr lang="en-US" sz="1200" dirty="0"/>
-          </a:p>
-        </p:txBody>
-      </p:sp>
-      <p:sp>
-        <p:nvSpPr>
-          <p:cNvPr id="53" name="Oval 52"/>
-          <p:cNvSpPr/>
-          <p:nvPr/>
-        </p:nvSpPr>
-        <p:spPr>
-          <a:xfrm>
-            <a:off x="2552700" y="4495800"/>
-            <a:ext cx="342900" cy="337456"/>
-          </a:xfrm>
-          <a:prstGeom prst="ellipse">
-            <a:avLst/>
-          </a:prstGeom>
-        </p:spPr>
-        <p:style>
-          <a:lnRef idx="2">
-            <a:schemeClr val="accent3"/>
-          </a:lnRef>
-          <a:fillRef idx="1">
-            <a:schemeClr val="lt1"/>
-          </a:fillRef>
-          <a:effectRef idx="0">
-            <a:schemeClr val="accent3"/>
-          </a:effectRef>
-          <a:fontRef idx="minor">
-            <a:schemeClr val="dk1"/>
-          </a:fontRef>
-        </p:style>
-        <p:txBody>
-          <a:bodyPr rtlCol="0" anchor="ctr"/>
-          <a:lstStyle/>
-          <a:p>
-            <a:pPr algn="ctr"/>
-            <a:r>
-              <a:rPr lang="en-US" sz="1200" dirty="0" smtClean="0"/>
-              <a:t>2</a:t>
-            </a:r>
-            <a:endParaRPr lang="en-US" sz="1200" dirty="0"/>
-          </a:p>
-        </p:txBody>
-      </p:sp>
-      <p:sp>
-        <p:nvSpPr>
-          <p:cNvPr id="54" name="Oval 53"/>
-          <p:cNvSpPr/>
-          <p:nvPr/>
-        </p:nvSpPr>
-        <p:spPr>
-          <a:xfrm>
-            <a:off x="1333500" y="3276600"/>
-            <a:ext cx="342900" cy="337456"/>
-          </a:xfrm>
-          <a:prstGeom prst="ellipse">
-            <a:avLst/>
-          </a:prstGeom>
-        </p:spPr>
-        <p:style>
-          <a:lnRef idx="2">
-            <a:schemeClr val="accent3"/>
-          </a:lnRef>
-          <a:fillRef idx="1">
-            <a:schemeClr val="lt1"/>
-          </a:fillRef>
-          <a:effectRef idx="0">
-            <a:schemeClr val="accent3"/>
-          </a:effectRef>
-          <a:fontRef idx="minor">
-            <a:schemeClr val="dk1"/>
-          </a:fontRef>
-        </p:style>
-        <p:txBody>
-          <a:bodyPr rtlCol="0" anchor="ctr"/>
-          <a:lstStyle/>
-          <a:p>
-            <a:pPr algn="ctr"/>
-            <a:r>
-              <a:rPr lang="en-US" sz="1200" dirty="0"/>
-              <a:t>4</a:t>
-            </a:r>
-          </a:p>
-        </p:txBody>
-      </p:sp>
-      <p:sp>
-        <p:nvSpPr>
-          <p:cNvPr id="55" name="Oval 54"/>
-          <p:cNvSpPr/>
-          <p:nvPr/>
-        </p:nvSpPr>
-        <p:spPr>
-          <a:xfrm>
-            <a:off x="2806700" y="4495800"/>
-            <a:ext cx="342900" cy="337456"/>
-          </a:xfrm>
-          <a:prstGeom prst="ellipse">
-            <a:avLst/>
-          </a:prstGeom>
-        </p:spPr>
-        <p:style>
-          <a:lnRef idx="2">
-            <a:schemeClr val="accent3"/>
-          </a:lnRef>
-          <a:fillRef idx="1">
-            <a:schemeClr val="lt1"/>
-          </a:fillRef>
-          <a:effectRef idx="0">
-            <a:schemeClr val="accent3"/>
-          </a:effectRef>
-          <a:fontRef idx="minor">
-            <a:schemeClr val="dk1"/>
-          </a:fontRef>
-        </p:style>
-        <p:txBody>
-          <a:bodyPr rtlCol="0" anchor="ctr"/>
-          <a:lstStyle/>
-          <a:p>
-            <a:pPr algn="ctr"/>
-            <a:r>
-              <a:rPr lang="en-US" sz="1200" dirty="0"/>
-              <a:t>5</a:t>
-            </a:r>
-          </a:p>
-        </p:txBody>
-      </p:sp>
-      <p:sp>
-        <p:nvSpPr>
-          <p:cNvPr id="56" name="Oval 55"/>
-          <p:cNvSpPr/>
-          <p:nvPr/>
-        </p:nvSpPr>
-        <p:spPr>
-          <a:xfrm>
-            <a:off x="1333500" y="4005944"/>
-            <a:ext cx="342900" cy="337456"/>
-          </a:xfrm>
-          <a:prstGeom prst="ellipse">
-            <a:avLst/>
-          </a:prstGeom>
-        </p:spPr>
-        <p:style>
-          <a:lnRef idx="2">
-            <a:schemeClr val="accent3"/>
-          </a:lnRef>
-          <a:fillRef idx="1">
-            <a:schemeClr val="lt1"/>
-          </a:fillRef>
-          <a:effectRef idx="0">
-            <a:schemeClr val="accent3"/>
-          </a:effectRef>
-          <a:fontRef idx="minor">
-            <a:schemeClr val="dk1"/>
-          </a:fontRef>
-        </p:style>
-        <p:txBody>
-          <a:bodyPr rtlCol="0" anchor="ctr"/>
-          <a:lstStyle/>
-          <a:p>
-            <a:pPr algn="ctr"/>
-            <a:r>
-              <a:rPr lang="en-US" sz="1200" dirty="0" smtClean="0"/>
-              <a:t>7</a:t>
-            </a:r>
-            <a:endParaRPr lang="en-US" sz="1200" dirty="0"/>
-          </a:p>
-        </p:txBody>
-      </p:sp>
-      <p:sp>
-        <p:nvSpPr>
-          <p:cNvPr id="57" name="Oval 56"/>
-          <p:cNvSpPr/>
-          <p:nvPr/>
-        </p:nvSpPr>
-        <p:spPr>
-          <a:xfrm>
-            <a:off x="3086100" y="4495800"/>
-            <a:ext cx="342900" cy="337456"/>
-          </a:xfrm>
-          <a:prstGeom prst="ellipse">
-            <a:avLst/>
-          </a:prstGeom>
-        </p:spPr>
-        <p:style>
-          <a:lnRef idx="2">
-            <a:schemeClr val="accent3"/>
-          </a:lnRef>
-          <a:fillRef idx="1">
-            <a:schemeClr val="lt1"/>
-          </a:fillRef>
-          <a:effectRef idx="0">
-            <a:schemeClr val="accent3"/>
-          </a:effectRef>
-          <a:fontRef idx="minor">
-            <a:schemeClr val="dk1"/>
-          </a:fontRef>
-        </p:style>
-        <p:txBody>
-          <a:bodyPr rtlCol="0" anchor="ctr"/>
-          <a:lstStyle/>
-          <a:p>
-            <a:pPr algn="ctr"/>
-            <a:r>
-              <a:rPr lang="en-US" sz="1200" dirty="0" smtClean="0"/>
-              <a:t>8</a:t>
-            </a:r>
-            <a:endParaRPr lang="en-US" sz="1200" dirty="0"/>
-          </a:p>
-        </p:txBody>
-      </p:sp>
-      <p:sp>
-        <p:nvSpPr>
-          <p:cNvPr id="61" name="Oval 60"/>
-          <p:cNvSpPr/>
-          <p:nvPr/>
-        </p:nvSpPr>
-        <p:spPr>
-          <a:xfrm>
-            <a:off x="5905500" y="1524000"/>
-            <a:ext cx="342900" cy="337456"/>
-          </a:xfrm>
-          <a:prstGeom prst="ellipse">
-            <a:avLst/>
-          </a:prstGeom>
-        </p:spPr>
-        <p:style>
-          <a:lnRef idx="2">
-            <a:schemeClr val="accent3"/>
-          </a:lnRef>
-          <a:fillRef idx="1">
-            <a:schemeClr val="lt1"/>
-          </a:fillRef>
-          <a:effectRef idx="0">
-            <a:schemeClr val="accent3"/>
-          </a:effectRef>
-          <a:fontRef idx="minor">
-            <a:schemeClr val="dk1"/>
-          </a:fontRef>
-        </p:style>
-        <p:txBody>
-          <a:bodyPr rtlCol="0" anchor="ctr"/>
-          <a:lstStyle/>
-          <a:p>
-            <a:pPr algn="ctr"/>
-            <a:r>
-              <a:rPr lang="en-US" sz="1200" dirty="0" smtClean="0"/>
-              <a:t>3</a:t>
-            </a:r>
-            <a:endParaRPr lang="en-US" sz="1200" dirty="0"/>
-          </a:p>
-        </p:txBody>
-      </p:sp>
-      <p:sp>
-        <p:nvSpPr>
-          <p:cNvPr id="62" name="Oval 61"/>
-          <p:cNvSpPr/>
-          <p:nvPr/>
-        </p:nvSpPr>
-        <p:spPr>
-          <a:xfrm>
-            <a:off x="6159500" y="1524000"/>
-            <a:ext cx="342900" cy="337456"/>
-          </a:xfrm>
-          <a:prstGeom prst="ellipse">
-            <a:avLst/>
-          </a:prstGeom>
-        </p:spPr>
-        <p:style>
-          <a:lnRef idx="2">
-            <a:schemeClr val="accent3"/>
-          </a:lnRef>
-          <a:fillRef idx="1">
-            <a:schemeClr val="lt1"/>
-          </a:fillRef>
-          <a:effectRef idx="0">
-            <a:schemeClr val="accent3"/>
-          </a:effectRef>
-          <a:fontRef idx="minor">
-            <a:schemeClr val="dk1"/>
-          </a:fontRef>
-        </p:style>
-        <p:txBody>
-          <a:bodyPr rtlCol="0" anchor="ctr"/>
-          <a:lstStyle/>
-          <a:p>
-            <a:pPr algn="ctr"/>
-            <a:r>
-              <a:rPr lang="en-US" sz="1200" dirty="0" smtClean="0"/>
-              <a:t>6</a:t>
-            </a:r>
-            <a:endParaRPr lang="en-US" sz="1200" dirty="0"/>
-          </a:p>
-        </p:txBody>
-      </p:sp>
-      <p:sp>
-        <p:nvSpPr>
-          <p:cNvPr id="68" name="Oval 67"/>
-          <p:cNvSpPr/>
-          <p:nvPr/>
-        </p:nvSpPr>
-        <p:spPr>
-          <a:xfrm>
-            <a:off x="6438900" y="1524000"/>
-            <a:ext cx="342900" cy="337456"/>
-          </a:xfrm>
-          <a:prstGeom prst="ellipse">
-            <a:avLst/>
-          </a:prstGeom>
-        </p:spPr>
-        <p:style>
-          <a:lnRef idx="2">
-            <a:schemeClr val="accent3"/>
-          </a:lnRef>
-          <a:fillRef idx="1">
-            <a:schemeClr val="lt1"/>
-          </a:fillRef>
-          <a:effectRef idx="0">
-            <a:schemeClr val="accent3"/>
-          </a:effectRef>
-          <a:fontRef idx="minor">
-            <a:schemeClr val="dk1"/>
-          </a:fontRef>
-        </p:style>
-        <p:txBody>
-          <a:bodyPr rtlCol="0" anchor="ctr"/>
-          <a:lstStyle/>
-          <a:p>
-            <a:pPr algn="ctr"/>
-            <a:r>
-              <a:rPr lang="en-US" sz="1200" dirty="0" smtClean="0"/>
-              <a:t>9</a:t>
-            </a:r>
-            <a:endParaRPr lang="en-US" sz="1200" dirty="0"/>
-          </a:p>
-        </p:txBody>
-      </p:sp>
     </p:spTree>
     <p:extLst>
       <p:ext uri="{BB962C8B-B14F-4D97-AF65-F5344CB8AC3E}">
@@ -6644,86 +5814,2024 @@
           <a:p>
             <a:r>
               <a:rPr lang="en-US" dirty="0" smtClean="0"/>
+              <a:t>How </a:t>
+            </a:r>
+            <a:r>
+              <a:rPr lang="en-US" dirty="0" err="1" smtClean="0"/>
+              <a:t>JobQueue</a:t>
+            </a:r>
+            <a:r>
+              <a:rPr lang="en-US" dirty="0" smtClean="0"/>
+              <a:t> Is Applied</a:t>
+            </a:r>
+            <a:endParaRPr lang="en-US" dirty="0"/>
+          </a:p>
+        </p:txBody>
+      </p:sp>
+      <p:sp>
+        <p:nvSpPr>
+          <p:cNvPr id="4" name="Rounded Rectangle 3"/>
+          <p:cNvSpPr/>
+          <p:nvPr/>
+        </p:nvSpPr>
+        <p:spPr>
+          <a:xfrm>
+            <a:off x="1828800" y="1676400"/>
+            <a:ext cx="1752600" cy="3200400"/>
+          </a:xfrm>
+          <a:prstGeom prst="roundRect">
+            <a:avLst/>
+          </a:prstGeom>
+        </p:spPr>
+        <p:style>
+          <a:lnRef idx="2">
+            <a:schemeClr val="accent1">
+              <a:shade val="50000"/>
+            </a:schemeClr>
+          </a:lnRef>
+          <a:fillRef idx="1">
+            <a:schemeClr val="accent1"/>
+          </a:fillRef>
+          <a:effectRef idx="0">
+            <a:schemeClr val="accent1"/>
+          </a:effectRef>
+          <a:fontRef idx="minor">
+            <a:schemeClr val="lt1"/>
+          </a:fontRef>
+        </p:style>
+        <p:txBody>
+          <a:bodyPr rtlCol="0" anchor="t"/>
+          <a:lstStyle/>
+          <a:p>
+            <a:pPr algn="ctr"/>
+            <a:r>
+              <a:rPr lang="en-US" dirty="0" smtClean="0"/>
+              <a:t>V1</a:t>
+            </a:r>
+            <a:endParaRPr lang="en-US" dirty="0"/>
+          </a:p>
+        </p:txBody>
+      </p:sp>
+      <p:sp>
+        <p:nvSpPr>
+          <p:cNvPr id="5" name="Rectangle 4"/>
+          <p:cNvSpPr/>
+          <p:nvPr/>
+        </p:nvSpPr>
+        <p:spPr>
+          <a:xfrm>
+            <a:off x="2133600" y="3695700"/>
+            <a:ext cx="1143000" cy="647700"/>
+          </a:xfrm>
+          <a:prstGeom prst="rect">
+            <a:avLst/>
+          </a:prstGeom>
+        </p:spPr>
+        <p:style>
+          <a:lnRef idx="2">
+            <a:schemeClr val="accent3">
+              <a:shade val="50000"/>
+            </a:schemeClr>
+          </a:lnRef>
+          <a:fillRef idx="1">
+            <a:schemeClr val="accent3"/>
+          </a:fillRef>
+          <a:effectRef idx="0">
+            <a:schemeClr val="accent3"/>
+          </a:effectRef>
+          <a:fontRef idx="minor">
+            <a:schemeClr val="lt1"/>
+          </a:fontRef>
+        </p:style>
+        <p:txBody>
+          <a:bodyPr rtlCol="0" anchor="ctr"/>
+          <a:lstStyle/>
+          <a:p>
+            <a:pPr algn="ctr"/>
+            <a:r>
+              <a:rPr lang="en-US" dirty="0" smtClean="0"/>
+              <a:t>Import engine</a:t>
+            </a:r>
+            <a:endParaRPr lang="en-US" dirty="0"/>
+          </a:p>
+        </p:txBody>
+      </p:sp>
+      <p:sp>
+        <p:nvSpPr>
+          <p:cNvPr id="6" name="Rectangle 5"/>
+          <p:cNvSpPr/>
+          <p:nvPr/>
+        </p:nvSpPr>
+        <p:spPr>
+          <a:xfrm>
+            <a:off x="304800" y="1981200"/>
+            <a:ext cx="990600" cy="685800"/>
+          </a:xfrm>
+          <a:prstGeom prst="rect">
+            <a:avLst/>
+          </a:prstGeom>
+        </p:spPr>
+        <p:style>
+          <a:lnRef idx="2">
+            <a:schemeClr val="accent6">
+              <a:shade val="50000"/>
+            </a:schemeClr>
+          </a:lnRef>
+          <a:fillRef idx="1">
+            <a:schemeClr val="accent6"/>
+          </a:fillRef>
+          <a:effectRef idx="0">
+            <a:schemeClr val="accent6"/>
+          </a:effectRef>
+          <a:fontRef idx="minor">
+            <a:schemeClr val="lt1"/>
+          </a:fontRef>
+        </p:style>
+        <p:txBody>
+          <a:bodyPr rtlCol="0" anchor="ctr"/>
+          <a:lstStyle/>
+          <a:p>
+            <a:pPr algn="ctr"/>
+            <a:r>
+              <a:rPr lang="en-US" sz="1400" dirty="0" smtClean="0"/>
+              <a:t>Host Feed</a:t>
+            </a:r>
+            <a:endParaRPr lang="en-US" sz="1400" dirty="0"/>
+          </a:p>
+        </p:txBody>
+      </p:sp>
+      <p:sp>
+        <p:nvSpPr>
+          <p:cNvPr id="7" name="Rectangle 6"/>
+          <p:cNvSpPr/>
+          <p:nvPr/>
+        </p:nvSpPr>
+        <p:spPr>
+          <a:xfrm>
+            <a:off x="304800" y="2895600"/>
+            <a:ext cx="990600" cy="685800"/>
+          </a:xfrm>
+          <a:prstGeom prst="rect">
+            <a:avLst/>
+          </a:prstGeom>
+        </p:spPr>
+        <p:style>
+          <a:lnRef idx="2">
+            <a:schemeClr val="accent6">
+              <a:shade val="50000"/>
+            </a:schemeClr>
+          </a:lnRef>
+          <a:fillRef idx="1">
+            <a:schemeClr val="accent6"/>
+          </a:fillRef>
+          <a:effectRef idx="0">
+            <a:schemeClr val="accent6"/>
+          </a:effectRef>
+          <a:fontRef idx="minor">
+            <a:schemeClr val="lt1"/>
+          </a:fontRef>
+        </p:style>
+        <p:txBody>
+          <a:bodyPr rtlCol="0" anchor="ctr"/>
+          <a:lstStyle/>
+          <a:p>
+            <a:pPr algn="ctr"/>
+            <a:r>
+              <a:rPr lang="en-US" sz="1400" dirty="0" smtClean="0"/>
+              <a:t>Teller Feed</a:t>
+            </a:r>
+            <a:endParaRPr lang="en-US" sz="1400" dirty="0"/>
+          </a:p>
+        </p:txBody>
+      </p:sp>
+      <p:sp>
+        <p:nvSpPr>
+          <p:cNvPr id="8" name="Rectangle 7"/>
+          <p:cNvSpPr/>
+          <p:nvPr/>
+        </p:nvSpPr>
+        <p:spPr>
+          <a:xfrm>
+            <a:off x="304800" y="3848100"/>
+            <a:ext cx="990600" cy="685800"/>
+          </a:xfrm>
+          <a:prstGeom prst="rect">
+            <a:avLst/>
+          </a:prstGeom>
+        </p:spPr>
+        <p:style>
+          <a:lnRef idx="2">
+            <a:schemeClr val="accent6">
+              <a:shade val="50000"/>
+            </a:schemeClr>
+          </a:lnRef>
+          <a:fillRef idx="1">
+            <a:schemeClr val="accent6"/>
+          </a:fillRef>
+          <a:effectRef idx="0">
+            <a:schemeClr val="accent6"/>
+          </a:effectRef>
+          <a:fontRef idx="minor">
+            <a:schemeClr val="lt1"/>
+          </a:fontRef>
+        </p:style>
+        <p:txBody>
+          <a:bodyPr rtlCol="0" anchor="ctr"/>
+          <a:lstStyle/>
+          <a:p>
+            <a:pPr algn="ctr"/>
+            <a:r>
+              <a:rPr lang="en-US" sz="1400" dirty="0" smtClean="0"/>
+              <a:t>Wire Feed</a:t>
+            </a:r>
+            <a:endParaRPr lang="en-US" sz="1400" dirty="0"/>
+          </a:p>
+        </p:txBody>
+      </p:sp>
+      <p:cxnSp>
+        <p:nvCxnSpPr>
+          <p:cNvPr id="10" name="Straight Arrow Connector 9"/>
+          <p:cNvCxnSpPr>
+            <a:stCxn id="6" idx="3"/>
+            <a:endCxn id="5" idx="1"/>
+          </p:cNvCxnSpPr>
+          <p:nvPr/>
+        </p:nvCxnSpPr>
+        <p:spPr>
+          <a:xfrm>
+            <a:off x="1295400" y="2324100"/>
+            <a:ext cx="838200" cy="1695450"/>
+          </a:xfrm>
+          <a:prstGeom prst="straightConnector1">
+            <a:avLst/>
+          </a:prstGeom>
+          <a:ln>
+            <a:tailEnd type="arrow"/>
+          </a:ln>
+        </p:spPr>
+        <p:style>
+          <a:lnRef idx="3">
+            <a:schemeClr val="accent2"/>
+          </a:lnRef>
+          <a:fillRef idx="0">
+            <a:schemeClr val="accent2"/>
+          </a:fillRef>
+          <a:effectRef idx="2">
+            <a:schemeClr val="accent2"/>
+          </a:effectRef>
+          <a:fontRef idx="minor">
+            <a:schemeClr val="tx1"/>
+          </a:fontRef>
+        </p:style>
+      </p:cxnSp>
+      <p:cxnSp>
+        <p:nvCxnSpPr>
+          <p:cNvPr id="12" name="Straight Arrow Connector 11"/>
+          <p:cNvCxnSpPr>
+            <a:stCxn id="7" idx="3"/>
+            <a:endCxn id="5" idx="1"/>
+          </p:cNvCxnSpPr>
+          <p:nvPr/>
+        </p:nvCxnSpPr>
+        <p:spPr>
+          <a:xfrm>
+            <a:off x="1295400" y="3238500"/>
+            <a:ext cx="838200" cy="781050"/>
+          </a:xfrm>
+          <a:prstGeom prst="straightConnector1">
+            <a:avLst/>
+          </a:prstGeom>
+          <a:ln>
+            <a:tailEnd type="arrow"/>
+          </a:ln>
+        </p:spPr>
+        <p:style>
+          <a:lnRef idx="3">
+            <a:schemeClr val="accent2"/>
+          </a:lnRef>
+          <a:fillRef idx="0">
+            <a:schemeClr val="accent2"/>
+          </a:fillRef>
+          <a:effectRef idx="2">
+            <a:schemeClr val="accent2"/>
+          </a:effectRef>
+          <a:fontRef idx="minor">
+            <a:schemeClr val="tx1"/>
+          </a:fontRef>
+        </p:style>
+      </p:cxnSp>
+      <p:cxnSp>
+        <p:nvCxnSpPr>
+          <p:cNvPr id="14" name="Straight Arrow Connector 13"/>
+          <p:cNvCxnSpPr>
+            <a:stCxn id="8" idx="3"/>
+            <a:endCxn id="5" idx="1"/>
+          </p:cNvCxnSpPr>
+          <p:nvPr/>
+        </p:nvCxnSpPr>
+        <p:spPr>
+          <a:xfrm flipV="1">
+            <a:off x="1295400" y="4019550"/>
+            <a:ext cx="838200" cy="171450"/>
+          </a:xfrm>
+          <a:prstGeom prst="straightConnector1">
+            <a:avLst/>
+          </a:prstGeom>
+          <a:ln>
+            <a:tailEnd type="arrow"/>
+          </a:ln>
+        </p:spPr>
+        <p:style>
+          <a:lnRef idx="3">
+            <a:schemeClr val="accent2"/>
+          </a:lnRef>
+          <a:fillRef idx="0">
+            <a:schemeClr val="accent2"/>
+          </a:fillRef>
+          <a:effectRef idx="2">
+            <a:schemeClr val="accent2"/>
+          </a:effectRef>
+          <a:fontRef idx="minor">
+            <a:schemeClr val="tx1"/>
+          </a:fontRef>
+        </p:style>
+      </p:cxnSp>
+      <p:sp>
+        <p:nvSpPr>
+          <p:cNvPr id="18" name="Rounded Rectangle 17"/>
+          <p:cNvSpPr/>
+          <p:nvPr/>
+        </p:nvSpPr>
+        <p:spPr>
+          <a:xfrm>
+            <a:off x="4191000" y="3981450"/>
+            <a:ext cx="2590800" cy="2457450"/>
+          </a:xfrm>
+          <a:prstGeom prst="roundRect">
+            <a:avLst/>
+          </a:prstGeom>
+        </p:spPr>
+        <p:style>
+          <a:lnRef idx="2">
+            <a:schemeClr val="accent1">
+              <a:shade val="50000"/>
+            </a:schemeClr>
+          </a:lnRef>
+          <a:fillRef idx="1">
+            <a:schemeClr val="accent1"/>
+          </a:fillRef>
+          <a:effectRef idx="0">
+            <a:schemeClr val="accent1"/>
+          </a:effectRef>
+          <a:fontRef idx="minor">
+            <a:schemeClr val="lt1"/>
+          </a:fontRef>
+        </p:style>
+        <p:txBody>
+          <a:bodyPr rtlCol="0" anchor="t"/>
+          <a:lstStyle/>
+          <a:p>
+            <a:r>
+              <a:rPr lang="en-US" dirty="0" err="1" smtClean="0"/>
+              <a:t>JobQueue</a:t>
+            </a:r>
+            <a:r>
+              <a:rPr lang="en-US" dirty="0" smtClean="0"/>
+              <a:t> Solution</a:t>
+            </a:r>
+            <a:endParaRPr lang="en-US" dirty="0"/>
+          </a:p>
+        </p:txBody>
+      </p:sp>
+      <p:sp>
+        <p:nvSpPr>
+          <p:cNvPr id="21" name="Flowchart: Magnetic Disk 20"/>
+          <p:cNvSpPr/>
+          <p:nvPr/>
+        </p:nvSpPr>
+        <p:spPr>
+          <a:xfrm>
+            <a:off x="2133600" y="2476500"/>
+            <a:ext cx="1143000" cy="952500"/>
+          </a:xfrm>
+          <a:prstGeom prst="flowChartMagneticDisk">
+            <a:avLst/>
+          </a:prstGeom>
+        </p:spPr>
+        <p:style>
+          <a:lnRef idx="2">
+            <a:schemeClr val="accent4">
+              <a:shade val="50000"/>
+            </a:schemeClr>
+          </a:lnRef>
+          <a:fillRef idx="1">
+            <a:schemeClr val="accent4"/>
+          </a:fillRef>
+          <a:effectRef idx="0">
+            <a:schemeClr val="accent4"/>
+          </a:effectRef>
+          <a:fontRef idx="minor">
+            <a:schemeClr val="lt1"/>
+          </a:fontRef>
+        </p:style>
+        <p:txBody>
+          <a:bodyPr rtlCol="0" anchor="ctr"/>
+          <a:lstStyle/>
+          <a:p>
+            <a:pPr algn="ctr"/>
+            <a:r>
+              <a:rPr lang="en-US" sz="1400" dirty="0" smtClean="0"/>
+              <a:t>V1 DB</a:t>
+            </a:r>
+            <a:endParaRPr lang="en-US" sz="1400" dirty="0"/>
+          </a:p>
+        </p:txBody>
+      </p:sp>
+      <p:cxnSp>
+        <p:nvCxnSpPr>
+          <p:cNvPr id="22" name="Straight Arrow Connector 21"/>
+          <p:cNvCxnSpPr>
+            <a:stCxn id="5" idx="0"/>
+          </p:cNvCxnSpPr>
+          <p:nvPr/>
+        </p:nvCxnSpPr>
+        <p:spPr>
+          <a:xfrm flipV="1">
+            <a:off x="2705100" y="3429000"/>
+            <a:ext cx="0" cy="266700"/>
+          </a:xfrm>
+          <a:prstGeom prst="straightConnector1">
+            <a:avLst/>
+          </a:prstGeom>
+          <a:ln>
+            <a:tailEnd type="arrow"/>
+          </a:ln>
+        </p:spPr>
+        <p:style>
+          <a:lnRef idx="3">
+            <a:schemeClr val="accent2"/>
+          </a:lnRef>
+          <a:fillRef idx="0">
+            <a:schemeClr val="accent2"/>
+          </a:fillRef>
+          <a:effectRef idx="2">
+            <a:schemeClr val="accent2"/>
+          </a:effectRef>
+          <a:fontRef idx="minor">
+            <a:schemeClr val="tx1"/>
+          </a:fontRef>
+        </p:style>
+      </p:cxnSp>
+      <p:sp>
+        <p:nvSpPr>
+          <p:cNvPr id="25" name="Flowchart: Magnetic Disk 24"/>
+          <p:cNvSpPr/>
+          <p:nvPr/>
+        </p:nvSpPr>
+        <p:spPr>
+          <a:xfrm>
+            <a:off x="5334000" y="5638800"/>
+            <a:ext cx="1143000" cy="647700"/>
+          </a:xfrm>
+          <a:prstGeom prst="flowChartMagneticDisk">
+            <a:avLst/>
+          </a:prstGeom>
+        </p:spPr>
+        <p:style>
+          <a:lnRef idx="2">
+            <a:schemeClr val="accent4">
+              <a:shade val="50000"/>
+            </a:schemeClr>
+          </a:lnRef>
+          <a:fillRef idx="1">
+            <a:schemeClr val="accent4"/>
+          </a:fillRef>
+          <a:effectRef idx="0">
+            <a:schemeClr val="accent4"/>
+          </a:effectRef>
+          <a:fontRef idx="minor">
+            <a:schemeClr val="lt1"/>
+          </a:fontRef>
+        </p:style>
+        <p:txBody>
+          <a:bodyPr rtlCol="0" anchor="ctr"/>
+          <a:lstStyle/>
+          <a:p>
+            <a:pPr algn="ctr"/>
+            <a:r>
+              <a:rPr lang="en-US" sz="1400" dirty="0" err="1" smtClean="0"/>
+              <a:t>JobQueue</a:t>
+            </a:r>
+            <a:endParaRPr lang="en-US" sz="1400" dirty="0"/>
+          </a:p>
+        </p:txBody>
+      </p:sp>
+      <p:sp>
+        <p:nvSpPr>
+          <p:cNvPr id="26" name="Flowchart: Connector 25"/>
+          <p:cNvSpPr/>
+          <p:nvPr/>
+        </p:nvSpPr>
+        <p:spPr>
+          <a:xfrm>
+            <a:off x="4038600" y="5486400"/>
+            <a:ext cx="304800" cy="304800"/>
+          </a:xfrm>
+          <a:prstGeom prst="flowChartConnector">
+            <a:avLst/>
+          </a:prstGeom>
+        </p:spPr>
+        <p:style>
+          <a:lnRef idx="2">
+            <a:schemeClr val="accent6"/>
+          </a:lnRef>
+          <a:fillRef idx="1">
+            <a:schemeClr val="lt1"/>
+          </a:fillRef>
+          <a:effectRef idx="0">
+            <a:schemeClr val="accent6"/>
+          </a:effectRef>
+          <a:fontRef idx="minor">
+            <a:schemeClr val="dk1"/>
+          </a:fontRef>
+        </p:style>
+        <p:txBody>
+          <a:bodyPr rtlCol="0" anchor="ctr"/>
+          <a:lstStyle/>
+          <a:p>
+            <a:pPr algn="ctr"/>
+            <a:endParaRPr lang="en-US"/>
+          </a:p>
+        </p:txBody>
+      </p:sp>
+      <p:sp>
+        <p:nvSpPr>
+          <p:cNvPr id="27" name="Flowchart: Connector 26"/>
+          <p:cNvSpPr/>
+          <p:nvPr/>
+        </p:nvSpPr>
+        <p:spPr>
+          <a:xfrm>
+            <a:off x="4038600" y="4953000"/>
+            <a:ext cx="304800" cy="304800"/>
+          </a:xfrm>
+          <a:prstGeom prst="flowChartConnector">
+            <a:avLst/>
+          </a:prstGeom>
+        </p:spPr>
+        <p:style>
+          <a:lnRef idx="2">
+            <a:schemeClr val="accent6"/>
+          </a:lnRef>
+          <a:fillRef idx="1">
+            <a:schemeClr val="lt1"/>
+          </a:fillRef>
+          <a:effectRef idx="0">
+            <a:schemeClr val="accent6"/>
+          </a:effectRef>
+          <a:fontRef idx="minor">
+            <a:schemeClr val="dk1"/>
+          </a:fontRef>
+        </p:style>
+        <p:txBody>
+          <a:bodyPr rtlCol="0" anchor="ctr"/>
+          <a:lstStyle/>
+          <a:p>
+            <a:pPr algn="ctr"/>
+            <a:endParaRPr lang="en-US"/>
+          </a:p>
+        </p:txBody>
+      </p:sp>
+      <p:cxnSp>
+        <p:nvCxnSpPr>
+          <p:cNvPr id="28" name="Straight Arrow Connector 27"/>
+          <p:cNvCxnSpPr>
+            <a:stCxn id="5" idx="2"/>
+            <a:endCxn id="27" idx="2"/>
+          </p:cNvCxnSpPr>
+          <p:nvPr/>
+        </p:nvCxnSpPr>
+        <p:spPr>
+          <a:xfrm rot="16200000" flipH="1">
+            <a:off x="2990850" y="4057650"/>
+            <a:ext cx="762000" cy="1333500"/>
+          </a:xfrm>
+          <a:prstGeom prst="bentConnector2">
+            <a:avLst/>
+          </a:prstGeom>
+          <a:ln>
+            <a:tailEnd type="arrow"/>
+          </a:ln>
+        </p:spPr>
+        <p:style>
+          <a:lnRef idx="3">
+            <a:schemeClr val="accent2"/>
+          </a:lnRef>
+          <a:fillRef idx="0">
+            <a:schemeClr val="accent2"/>
+          </a:fillRef>
+          <a:effectRef idx="2">
+            <a:schemeClr val="accent2"/>
+          </a:effectRef>
+          <a:fontRef idx="minor">
+            <a:schemeClr val="tx1"/>
+          </a:fontRef>
+        </p:style>
+      </p:cxnSp>
+      <p:cxnSp>
+        <p:nvCxnSpPr>
+          <p:cNvPr id="32" name="Straight Arrow Connector 27"/>
+          <p:cNvCxnSpPr>
+            <a:endCxn id="26" idx="2"/>
+          </p:cNvCxnSpPr>
+          <p:nvPr/>
+        </p:nvCxnSpPr>
+        <p:spPr>
+          <a:xfrm>
+            <a:off x="2514600" y="4343400"/>
+            <a:ext cx="1524000" cy="1295400"/>
+          </a:xfrm>
+          <a:prstGeom prst="bentConnector3">
+            <a:avLst>
+              <a:gd name="adj1" fmla="val -714"/>
+            </a:avLst>
+          </a:prstGeom>
+          <a:ln>
+            <a:tailEnd type="arrow"/>
+          </a:ln>
+        </p:spPr>
+        <p:style>
+          <a:lnRef idx="3">
+            <a:schemeClr val="accent2"/>
+          </a:lnRef>
+          <a:fillRef idx="0">
+            <a:schemeClr val="accent2"/>
+          </a:fillRef>
+          <a:effectRef idx="2">
+            <a:schemeClr val="accent2"/>
+          </a:effectRef>
+          <a:fontRef idx="minor">
+            <a:schemeClr val="tx1"/>
+          </a:fontRef>
+        </p:style>
+      </p:cxnSp>
+      <p:cxnSp>
+        <p:nvCxnSpPr>
+          <p:cNvPr id="49" name="Straight Arrow Connector 48"/>
+          <p:cNvCxnSpPr>
+            <a:stCxn id="27" idx="5"/>
+            <a:endCxn id="25" idx="2"/>
+          </p:cNvCxnSpPr>
+          <p:nvPr/>
+        </p:nvCxnSpPr>
+        <p:spPr>
+          <a:xfrm>
+            <a:off x="4298763" y="5213163"/>
+            <a:ext cx="1035237" cy="749487"/>
+          </a:xfrm>
+          <a:prstGeom prst="straightConnector1">
+            <a:avLst/>
+          </a:prstGeom>
+          <a:ln>
+            <a:tailEnd type="arrow"/>
+          </a:ln>
+        </p:spPr>
+        <p:style>
+          <a:lnRef idx="3">
+            <a:schemeClr val="accent2"/>
+          </a:lnRef>
+          <a:fillRef idx="0">
+            <a:schemeClr val="accent2"/>
+          </a:fillRef>
+          <a:effectRef idx="2">
+            <a:schemeClr val="accent2"/>
+          </a:effectRef>
+          <a:fontRef idx="minor">
+            <a:schemeClr val="tx1"/>
+          </a:fontRef>
+        </p:style>
+      </p:cxnSp>
+      <p:cxnSp>
+        <p:nvCxnSpPr>
+          <p:cNvPr id="52" name="Straight Arrow Connector 51"/>
+          <p:cNvCxnSpPr>
+            <a:stCxn id="26" idx="6"/>
+            <a:endCxn id="25" idx="2"/>
+          </p:cNvCxnSpPr>
+          <p:nvPr/>
+        </p:nvCxnSpPr>
+        <p:spPr>
+          <a:xfrm>
+            <a:off x="4343400" y="5638800"/>
+            <a:ext cx="990600" cy="323850"/>
+          </a:xfrm>
+          <a:prstGeom prst="straightConnector1">
+            <a:avLst/>
+          </a:prstGeom>
+          <a:ln>
+            <a:tailEnd type="arrow"/>
+          </a:ln>
+        </p:spPr>
+        <p:style>
+          <a:lnRef idx="3">
+            <a:schemeClr val="accent2"/>
+          </a:lnRef>
+          <a:fillRef idx="0">
+            <a:schemeClr val="accent2"/>
+          </a:fillRef>
+          <a:effectRef idx="2">
+            <a:schemeClr val="accent2"/>
+          </a:effectRef>
+          <a:fontRef idx="minor">
+            <a:schemeClr val="tx1"/>
+          </a:fontRef>
+        </p:style>
+      </p:cxnSp>
+      <p:sp>
+        <p:nvSpPr>
+          <p:cNvPr id="59" name="Rectangle 58"/>
+          <p:cNvSpPr/>
+          <p:nvPr/>
+        </p:nvSpPr>
+        <p:spPr>
+          <a:xfrm>
+            <a:off x="5181600" y="4533900"/>
+            <a:ext cx="1371600" cy="647700"/>
+          </a:xfrm>
+          <a:prstGeom prst="rect">
+            <a:avLst/>
+          </a:prstGeom>
+        </p:spPr>
+        <p:style>
+          <a:lnRef idx="2">
+            <a:schemeClr val="accent3">
+              <a:shade val="50000"/>
+            </a:schemeClr>
+          </a:lnRef>
+          <a:fillRef idx="1">
+            <a:schemeClr val="accent3"/>
+          </a:fillRef>
+          <a:effectRef idx="0">
+            <a:schemeClr val="accent3"/>
+          </a:effectRef>
+          <a:fontRef idx="minor">
+            <a:schemeClr val="lt1"/>
+          </a:fontRef>
+        </p:style>
+        <p:txBody>
+          <a:bodyPr rtlCol="0" anchor="ctr"/>
+          <a:lstStyle/>
+          <a:p>
+            <a:pPr algn="ctr"/>
+            <a:r>
+              <a:rPr lang="en-US" sz="1400" dirty="0" smtClean="0"/>
+              <a:t>Job Execution Service</a:t>
+            </a:r>
+            <a:endParaRPr lang="en-US" sz="1400" dirty="0"/>
+          </a:p>
+        </p:txBody>
+      </p:sp>
+      <p:cxnSp>
+        <p:nvCxnSpPr>
+          <p:cNvPr id="60" name="Straight Arrow Connector 59"/>
+          <p:cNvCxnSpPr>
+            <a:stCxn id="25" idx="1"/>
+            <a:endCxn id="59" idx="2"/>
+          </p:cNvCxnSpPr>
+          <p:nvPr/>
+        </p:nvCxnSpPr>
+        <p:spPr>
+          <a:xfrm flipH="1" flipV="1">
+            <a:off x="5867400" y="5181600"/>
+            <a:ext cx="38100" cy="457200"/>
+          </a:xfrm>
+          <a:prstGeom prst="straightConnector1">
+            <a:avLst/>
+          </a:prstGeom>
+          <a:ln>
+            <a:tailEnd type="arrow"/>
+          </a:ln>
+        </p:spPr>
+        <p:style>
+          <a:lnRef idx="3">
+            <a:schemeClr val="accent2"/>
+          </a:lnRef>
+          <a:fillRef idx="0">
+            <a:schemeClr val="accent2"/>
+          </a:fillRef>
+          <a:effectRef idx="2">
+            <a:schemeClr val="accent2"/>
+          </a:effectRef>
+          <a:fontRef idx="minor">
+            <a:schemeClr val="tx1"/>
+          </a:fontRef>
+        </p:style>
+      </p:cxnSp>
+      <p:sp>
+        <p:nvSpPr>
+          <p:cNvPr id="63" name="TextBox 62"/>
+          <p:cNvSpPr txBox="1"/>
+          <p:nvPr/>
+        </p:nvSpPr>
+        <p:spPr>
+          <a:xfrm>
+            <a:off x="4648200" y="5302123"/>
+            <a:ext cx="685800" cy="246221"/>
+          </a:xfrm>
+          <a:prstGeom prst="rect">
+            <a:avLst/>
+          </a:prstGeom>
+          <a:noFill/>
+        </p:spPr>
+        <p:txBody>
+          <a:bodyPr wrap="square" rtlCol="0">
+            <a:spAutoFit/>
+          </a:bodyPr>
+          <a:lstStyle/>
+          <a:p>
+            <a:r>
+              <a:rPr lang="en-US" sz="1000" dirty="0" err="1" smtClean="0"/>
+              <a:t>enqueue</a:t>
+            </a:r>
+            <a:endParaRPr lang="en-US" sz="1000" dirty="0"/>
+          </a:p>
+        </p:txBody>
+      </p:sp>
+      <p:sp>
+        <p:nvSpPr>
+          <p:cNvPr id="64" name="TextBox 63"/>
+          <p:cNvSpPr txBox="1"/>
+          <p:nvPr/>
+        </p:nvSpPr>
+        <p:spPr>
+          <a:xfrm>
+            <a:off x="4320534" y="5745069"/>
+            <a:ext cx="685800" cy="246221"/>
+          </a:xfrm>
+          <a:prstGeom prst="rect">
+            <a:avLst/>
+          </a:prstGeom>
+          <a:noFill/>
+        </p:spPr>
+        <p:txBody>
+          <a:bodyPr wrap="square" rtlCol="0">
+            <a:spAutoFit/>
+          </a:bodyPr>
+          <a:lstStyle/>
+          <a:p>
+            <a:r>
+              <a:rPr lang="en-US" sz="1000" dirty="0" smtClean="0"/>
+              <a:t>check</a:t>
+            </a:r>
+            <a:endParaRPr lang="en-US" sz="1000" dirty="0"/>
+          </a:p>
+        </p:txBody>
+      </p:sp>
+      <p:sp>
+        <p:nvSpPr>
+          <p:cNvPr id="65" name="TextBox 64"/>
+          <p:cNvSpPr txBox="1"/>
+          <p:nvPr/>
+        </p:nvSpPr>
+        <p:spPr>
+          <a:xfrm>
+            <a:off x="5905500" y="5240179"/>
+            <a:ext cx="685800" cy="246221"/>
+          </a:xfrm>
+          <a:prstGeom prst="rect">
+            <a:avLst/>
+          </a:prstGeom>
+          <a:noFill/>
+        </p:spPr>
+        <p:txBody>
+          <a:bodyPr wrap="square" rtlCol="0">
+            <a:spAutoFit/>
+          </a:bodyPr>
+          <a:lstStyle/>
+          <a:p>
+            <a:r>
+              <a:rPr lang="en-US" sz="1000" dirty="0" err="1" smtClean="0"/>
+              <a:t>dequeue</a:t>
+            </a:r>
+            <a:endParaRPr lang="en-US" sz="1000" dirty="0"/>
+          </a:p>
+        </p:txBody>
+      </p:sp>
+      <p:sp>
+        <p:nvSpPr>
+          <p:cNvPr id="66" name="Rectangle 65"/>
+          <p:cNvSpPr/>
+          <p:nvPr/>
+        </p:nvSpPr>
+        <p:spPr>
+          <a:xfrm>
+            <a:off x="4343400" y="2895600"/>
+            <a:ext cx="838200" cy="609600"/>
+          </a:xfrm>
+          <a:prstGeom prst="rect">
+            <a:avLst/>
+          </a:prstGeom>
+        </p:spPr>
+        <p:style>
+          <a:lnRef idx="2">
+            <a:schemeClr val="accent2">
+              <a:shade val="50000"/>
+            </a:schemeClr>
+          </a:lnRef>
+          <a:fillRef idx="1">
+            <a:schemeClr val="accent2"/>
+          </a:fillRef>
+          <a:effectRef idx="0">
+            <a:schemeClr val="accent2"/>
+          </a:effectRef>
+          <a:fontRef idx="minor">
+            <a:schemeClr val="lt1"/>
+          </a:fontRef>
+        </p:style>
+        <p:txBody>
+          <a:bodyPr rtlCol="0" anchor="ctr"/>
+          <a:lstStyle/>
+          <a:p>
+            <a:pPr algn="ctr"/>
+            <a:r>
+              <a:rPr lang="en-US" sz="1400" dirty="0" smtClean="0"/>
               <a:t>Job Library</a:t>
             </a:r>
+            <a:endParaRPr lang="en-US" sz="1400" dirty="0"/>
+          </a:p>
+        </p:txBody>
+      </p:sp>
+      <p:cxnSp>
+        <p:nvCxnSpPr>
+          <p:cNvPr id="67" name="Straight Arrow Connector 66"/>
+          <p:cNvCxnSpPr>
+            <a:stCxn id="66" idx="2"/>
+            <a:endCxn id="27" idx="7"/>
+          </p:cNvCxnSpPr>
+          <p:nvPr/>
+        </p:nvCxnSpPr>
+        <p:spPr>
+          <a:xfrm flipH="1">
+            <a:off x="4298763" y="3505200"/>
+            <a:ext cx="463737" cy="1492437"/>
+          </a:xfrm>
+          <a:prstGeom prst="straightConnector1">
+            <a:avLst/>
+          </a:prstGeom>
+          <a:ln>
+            <a:tailEnd type="arrow"/>
+          </a:ln>
+        </p:spPr>
+        <p:style>
+          <a:lnRef idx="3">
+            <a:schemeClr val="accent2"/>
+          </a:lnRef>
+          <a:fillRef idx="0">
+            <a:schemeClr val="accent2"/>
+          </a:fillRef>
+          <a:effectRef idx="2">
+            <a:schemeClr val="accent2"/>
+          </a:effectRef>
+          <a:fontRef idx="minor">
+            <a:schemeClr val="tx1"/>
+          </a:fontRef>
+        </p:style>
+      </p:cxnSp>
+      <p:sp>
+        <p:nvSpPr>
+          <p:cNvPr id="70" name="TextBox 69"/>
+          <p:cNvSpPr txBox="1"/>
+          <p:nvPr/>
+        </p:nvSpPr>
+        <p:spPr>
+          <a:xfrm>
+            <a:off x="4354284" y="3581400"/>
+            <a:ext cx="827316" cy="553998"/>
+          </a:xfrm>
+          <a:prstGeom prst="rect">
+            <a:avLst/>
+          </a:prstGeom>
+          <a:noFill/>
+        </p:spPr>
+        <p:txBody>
+          <a:bodyPr wrap="square" rtlCol="0">
+            <a:spAutoFit/>
+          </a:bodyPr>
+          <a:lstStyle/>
+          <a:p>
+            <a:r>
+              <a:rPr lang="en-US" sz="1000" dirty="0" smtClean="0"/>
+              <a:t>Provides Serialization info</a:t>
+            </a:r>
+            <a:endParaRPr lang="en-US" sz="1000" dirty="0"/>
+          </a:p>
+        </p:txBody>
+      </p:sp>
+      <p:cxnSp>
+        <p:nvCxnSpPr>
+          <p:cNvPr id="71" name="Straight Arrow Connector 70"/>
+          <p:cNvCxnSpPr>
+            <a:stCxn id="66" idx="3"/>
+            <a:endCxn id="59" idx="0"/>
+          </p:cNvCxnSpPr>
+          <p:nvPr/>
+        </p:nvCxnSpPr>
+        <p:spPr>
+          <a:xfrm>
+            <a:off x="5181600" y="3200400"/>
+            <a:ext cx="685800" cy="1333500"/>
+          </a:xfrm>
+          <a:prstGeom prst="straightConnector1">
+            <a:avLst/>
+          </a:prstGeom>
+          <a:ln>
+            <a:tailEnd type="arrow"/>
+          </a:ln>
+        </p:spPr>
+        <p:style>
+          <a:lnRef idx="3">
+            <a:schemeClr val="accent2"/>
+          </a:lnRef>
+          <a:fillRef idx="0">
+            <a:schemeClr val="accent2"/>
+          </a:fillRef>
+          <a:effectRef idx="2">
+            <a:schemeClr val="accent2"/>
+          </a:effectRef>
+          <a:fontRef idx="minor">
+            <a:schemeClr val="tx1"/>
+          </a:fontRef>
+        </p:style>
+      </p:cxnSp>
+      <p:sp>
+        <p:nvSpPr>
+          <p:cNvPr id="74" name="TextBox 73"/>
+          <p:cNvSpPr txBox="1"/>
+          <p:nvPr/>
+        </p:nvSpPr>
+        <p:spPr>
+          <a:xfrm>
+            <a:off x="5257800" y="3352800"/>
+            <a:ext cx="990600" cy="553998"/>
+          </a:xfrm>
+          <a:prstGeom prst="rect">
+            <a:avLst/>
+          </a:prstGeom>
+          <a:noFill/>
+        </p:spPr>
+        <p:txBody>
+          <a:bodyPr wrap="square" rtlCol="0">
+            <a:spAutoFit/>
+          </a:bodyPr>
+          <a:lstStyle/>
+          <a:p>
+            <a:r>
+              <a:rPr lang="en-US" sz="1000" dirty="0" smtClean="0"/>
+              <a:t>Provides Deserialization info</a:t>
+            </a:r>
+            <a:endParaRPr lang="en-US" sz="1000" dirty="0"/>
+          </a:p>
+        </p:txBody>
+      </p:sp>
+      <p:sp>
+        <p:nvSpPr>
+          <p:cNvPr id="79" name="Rectangle 78"/>
+          <p:cNvSpPr/>
+          <p:nvPr/>
+        </p:nvSpPr>
+        <p:spPr>
+          <a:xfrm>
+            <a:off x="4267200" y="2819400"/>
+            <a:ext cx="838200" cy="609600"/>
+          </a:xfrm>
+          <a:prstGeom prst="rect">
+            <a:avLst/>
+          </a:prstGeom>
+        </p:spPr>
+        <p:style>
+          <a:lnRef idx="2">
+            <a:schemeClr val="accent2">
+              <a:shade val="50000"/>
+            </a:schemeClr>
+          </a:lnRef>
+          <a:fillRef idx="1">
+            <a:schemeClr val="accent2"/>
+          </a:fillRef>
+          <a:effectRef idx="0">
+            <a:schemeClr val="accent2"/>
+          </a:effectRef>
+          <a:fontRef idx="minor">
+            <a:schemeClr val="lt1"/>
+          </a:fontRef>
+        </p:style>
+        <p:txBody>
+          <a:bodyPr rtlCol="0" anchor="ctr"/>
+          <a:lstStyle/>
+          <a:p>
+            <a:pPr algn="ctr"/>
+            <a:r>
+              <a:rPr lang="en-US" sz="1400" dirty="0" smtClean="0"/>
+              <a:t>Job Library</a:t>
+            </a:r>
+            <a:endParaRPr lang="en-US" sz="1400" dirty="0"/>
+          </a:p>
+        </p:txBody>
+      </p:sp>
+      <p:sp>
+        <p:nvSpPr>
+          <p:cNvPr id="80" name="Rectangle 79"/>
+          <p:cNvSpPr/>
+          <p:nvPr/>
+        </p:nvSpPr>
+        <p:spPr>
+          <a:xfrm>
+            <a:off x="4191000" y="2743200"/>
+            <a:ext cx="838200" cy="609600"/>
+          </a:xfrm>
+          <a:prstGeom prst="rect">
+            <a:avLst/>
+          </a:prstGeom>
+        </p:spPr>
+        <p:style>
+          <a:lnRef idx="2">
+            <a:schemeClr val="accent2">
+              <a:shade val="50000"/>
+            </a:schemeClr>
+          </a:lnRef>
+          <a:fillRef idx="1">
+            <a:schemeClr val="accent2"/>
+          </a:fillRef>
+          <a:effectRef idx="0">
+            <a:schemeClr val="accent2"/>
+          </a:effectRef>
+          <a:fontRef idx="minor">
+            <a:schemeClr val="lt1"/>
+          </a:fontRef>
+        </p:style>
+        <p:txBody>
+          <a:bodyPr rtlCol="0" anchor="ctr"/>
+          <a:lstStyle/>
+          <a:p>
+            <a:pPr algn="ctr"/>
+            <a:r>
+              <a:rPr lang="en-US" sz="1400" dirty="0" smtClean="0"/>
+              <a:t>Job Library</a:t>
+            </a:r>
+            <a:endParaRPr lang="en-US" sz="1400" dirty="0"/>
+          </a:p>
+        </p:txBody>
+      </p:sp>
+      <p:cxnSp>
+        <p:nvCxnSpPr>
+          <p:cNvPr id="82" name="Straight Arrow Connector 81"/>
+          <p:cNvCxnSpPr>
+            <a:stCxn id="5" idx="3"/>
+            <a:endCxn id="80" idx="1"/>
+          </p:cNvCxnSpPr>
+          <p:nvPr/>
+        </p:nvCxnSpPr>
+        <p:spPr>
+          <a:xfrm flipV="1">
+            <a:off x="3276600" y="3048000"/>
+            <a:ext cx="914400" cy="971550"/>
+          </a:xfrm>
+          <a:prstGeom prst="straightConnector1">
+            <a:avLst/>
+          </a:prstGeom>
+          <a:ln>
+            <a:prstDash val="sysDot"/>
+            <a:tailEnd type="arrow"/>
+          </a:ln>
+        </p:spPr>
+        <p:style>
+          <a:lnRef idx="3">
+            <a:schemeClr val="accent2"/>
+          </a:lnRef>
+          <a:fillRef idx="0">
+            <a:schemeClr val="accent2"/>
+          </a:fillRef>
+          <a:effectRef idx="2">
+            <a:schemeClr val="accent2"/>
+          </a:effectRef>
+          <a:fontRef idx="minor">
+            <a:schemeClr val="tx1"/>
+          </a:fontRef>
+        </p:style>
+      </p:cxnSp>
+      <p:sp>
+        <p:nvSpPr>
+          <p:cNvPr id="85" name="TextBox 84"/>
+          <p:cNvSpPr txBox="1"/>
+          <p:nvPr/>
+        </p:nvSpPr>
+        <p:spPr>
+          <a:xfrm>
+            <a:off x="3543300" y="3458289"/>
+            <a:ext cx="685800" cy="400110"/>
+          </a:xfrm>
+          <a:prstGeom prst="rect">
+            <a:avLst/>
+          </a:prstGeom>
+          <a:noFill/>
+        </p:spPr>
+        <p:txBody>
+          <a:bodyPr wrap="square" rtlCol="0">
+            <a:spAutoFit/>
+          </a:bodyPr>
+          <a:lstStyle/>
+          <a:p>
+            <a:r>
+              <a:rPr lang="en-US" sz="1000" dirty="0" smtClean="0"/>
+              <a:t>Is aware of</a:t>
+            </a:r>
+            <a:endParaRPr lang="en-US" sz="1000" dirty="0"/>
+          </a:p>
+        </p:txBody>
+      </p:sp>
+      <p:sp>
+        <p:nvSpPr>
+          <p:cNvPr id="86" name="Rounded Rectangle 85"/>
+          <p:cNvSpPr/>
+          <p:nvPr/>
+        </p:nvSpPr>
+        <p:spPr>
+          <a:xfrm>
+            <a:off x="7315200" y="1676400"/>
+            <a:ext cx="1524000" cy="3200400"/>
+          </a:xfrm>
+          <a:prstGeom prst="roundRect">
+            <a:avLst/>
+          </a:prstGeom>
+        </p:spPr>
+        <p:style>
+          <a:lnRef idx="2">
+            <a:schemeClr val="accent1">
+              <a:shade val="50000"/>
+            </a:schemeClr>
+          </a:lnRef>
+          <a:fillRef idx="1">
+            <a:schemeClr val="accent1"/>
+          </a:fillRef>
+          <a:effectRef idx="0">
+            <a:schemeClr val="accent1"/>
+          </a:effectRef>
+          <a:fontRef idx="minor">
+            <a:schemeClr val="lt1"/>
+          </a:fontRef>
+        </p:style>
+        <p:txBody>
+          <a:bodyPr rtlCol="0" anchor="t"/>
+          <a:lstStyle/>
+          <a:p>
+            <a:pPr algn="ctr"/>
+            <a:r>
+              <a:rPr lang="en-US" dirty="0" smtClean="0"/>
+              <a:t>V2</a:t>
+            </a:r>
             <a:endParaRPr lang="en-US" dirty="0"/>
           </a:p>
         </p:txBody>
       </p:sp>
       <p:sp>
         <p:nvSpPr>
-          <p:cNvPr id="3" name="Content Placeholder 2"/>
-          <p:cNvSpPr>
-            <a:spLocks noGrp="1"/>
-          </p:cNvSpPr>
-          <p:nvPr>
-            <p:ph idx="1"/>
-          </p:nvPr>
-        </p:nvSpPr>
-        <p:spPr/>
-        <p:txBody>
-          <a:bodyPr>
-            <a:normAutofit fontScale="92500" lnSpcReduction="10000"/>
+          <p:cNvPr id="87" name="Flowchart: Magnetic Disk 86"/>
+          <p:cNvSpPr/>
+          <p:nvPr/>
+        </p:nvSpPr>
+        <p:spPr>
+          <a:xfrm>
+            <a:off x="7543800" y="2481944"/>
+            <a:ext cx="1143000" cy="952500"/>
+          </a:xfrm>
+          <a:prstGeom prst="flowChartMagneticDisk">
+            <a:avLst/>
+          </a:prstGeom>
+        </p:spPr>
+        <p:style>
+          <a:lnRef idx="2">
+            <a:schemeClr val="accent4">
+              <a:shade val="50000"/>
+            </a:schemeClr>
+          </a:lnRef>
+          <a:fillRef idx="1">
+            <a:schemeClr val="accent4"/>
+          </a:fillRef>
+          <a:effectRef idx="0">
+            <a:schemeClr val="accent4"/>
+          </a:effectRef>
+          <a:fontRef idx="minor">
+            <a:schemeClr val="lt1"/>
+          </a:fontRef>
+        </p:style>
+        <p:txBody>
+          <a:bodyPr rtlCol="0" anchor="ctr"/>
+          <a:lstStyle/>
+          <a:p>
+            <a:pPr algn="ctr"/>
+            <a:r>
+              <a:rPr lang="en-US" sz="1400" dirty="0" smtClean="0"/>
+              <a:t>V2 DB</a:t>
+            </a:r>
+            <a:endParaRPr lang="en-US" sz="1400" dirty="0"/>
+          </a:p>
+        </p:txBody>
+      </p:sp>
+      <p:sp>
+        <p:nvSpPr>
+          <p:cNvPr id="88" name="Rectangle 87"/>
+          <p:cNvSpPr/>
+          <p:nvPr/>
+        </p:nvSpPr>
+        <p:spPr>
+          <a:xfrm>
+            <a:off x="5886450" y="1828800"/>
+            <a:ext cx="971550" cy="685800"/>
+          </a:xfrm>
+          <a:prstGeom prst="rect">
+            <a:avLst/>
+          </a:prstGeom>
+        </p:spPr>
+        <p:style>
+          <a:lnRef idx="2">
+            <a:schemeClr val="accent6">
+              <a:shade val="50000"/>
+            </a:schemeClr>
+          </a:lnRef>
+          <a:fillRef idx="1">
+            <a:schemeClr val="accent6"/>
+          </a:fillRef>
+          <a:effectRef idx="0">
+            <a:schemeClr val="accent6"/>
+          </a:effectRef>
+          <a:fontRef idx="minor">
+            <a:schemeClr val="lt1"/>
+          </a:fontRef>
+        </p:style>
+        <p:txBody>
+          <a:bodyPr rtlCol="0" anchor="ctr"/>
+          <a:lstStyle/>
+          <a:p>
+            <a:pPr algn="ctr"/>
+            <a:r>
+              <a:rPr lang="en-US" sz="1400" dirty="0" smtClean="0"/>
+              <a:t>Job object</a:t>
+            </a:r>
+            <a:endParaRPr lang="en-US" sz="1400" dirty="0"/>
+          </a:p>
+        </p:txBody>
+      </p:sp>
+      <p:cxnSp>
+        <p:nvCxnSpPr>
+          <p:cNvPr id="89" name="Straight Arrow Connector 88"/>
+          <p:cNvCxnSpPr>
+            <a:endCxn id="88" idx="2"/>
+          </p:cNvCxnSpPr>
+          <p:nvPr/>
+        </p:nvCxnSpPr>
+        <p:spPr>
+          <a:xfrm flipV="1">
+            <a:off x="6248400" y="2514600"/>
+            <a:ext cx="123825" cy="2019300"/>
+          </a:xfrm>
+          <a:prstGeom prst="straightConnector1">
+            <a:avLst/>
+          </a:prstGeom>
+          <a:ln>
+            <a:tailEnd type="arrow"/>
+          </a:ln>
+        </p:spPr>
+        <p:style>
+          <a:lnRef idx="3">
+            <a:schemeClr val="accent2"/>
+          </a:lnRef>
+          <a:fillRef idx="0">
+            <a:schemeClr val="accent2"/>
+          </a:fillRef>
+          <a:effectRef idx="2">
+            <a:schemeClr val="accent2"/>
+          </a:effectRef>
+          <a:fontRef idx="minor">
+            <a:schemeClr val="tx1"/>
+          </a:fontRef>
+        </p:style>
+      </p:cxnSp>
+      <p:cxnSp>
+        <p:nvCxnSpPr>
+          <p:cNvPr id="95" name="Straight Arrow Connector 94"/>
+          <p:cNvCxnSpPr>
+            <a:stCxn id="88" idx="1"/>
+            <a:endCxn id="21" idx="4"/>
+          </p:cNvCxnSpPr>
+          <p:nvPr/>
+        </p:nvCxnSpPr>
+        <p:spPr>
+          <a:xfrm flipH="1">
+            <a:off x="3276600" y="2171700"/>
+            <a:ext cx="2609850" cy="781050"/>
+          </a:xfrm>
+          <a:prstGeom prst="straightConnector1">
+            <a:avLst/>
+          </a:prstGeom>
+          <a:ln>
+            <a:tailEnd type="arrow"/>
+          </a:ln>
+        </p:spPr>
+        <p:style>
+          <a:lnRef idx="2">
+            <a:schemeClr val="accent6">
+              <a:shade val="50000"/>
+            </a:schemeClr>
+          </a:lnRef>
+          <a:fillRef idx="1">
+            <a:schemeClr val="accent6"/>
+          </a:fillRef>
+          <a:effectRef idx="0">
+            <a:schemeClr val="accent6"/>
+          </a:effectRef>
+          <a:fontRef idx="minor">
+            <a:schemeClr val="lt1"/>
+          </a:fontRef>
+        </p:style>
+      </p:cxnSp>
+      <p:cxnSp>
+        <p:nvCxnSpPr>
+          <p:cNvPr id="99" name="Straight Arrow Connector 98"/>
+          <p:cNvCxnSpPr>
+            <a:endCxn id="87" idx="2"/>
+          </p:cNvCxnSpPr>
+          <p:nvPr/>
+        </p:nvCxnSpPr>
+        <p:spPr>
+          <a:xfrm>
+            <a:off x="6858000" y="2171700"/>
+            <a:ext cx="685800" cy="786494"/>
+          </a:xfrm>
+          <a:prstGeom prst="straightConnector1">
+            <a:avLst/>
+          </a:prstGeom>
+          <a:ln>
+            <a:tailEnd type="arrow"/>
+          </a:ln>
+        </p:spPr>
+        <p:style>
+          <a:lnRef idx="2">
+            <a:schemeClr val="accent6">
+              <a:shade val="50000"/>
+            </a:schemeClr>
+          </a:lnRef>
+          <a:fillRef idx="1">
+            <a:schemeClr val="accent6"/>
+          </a:fillRef>
+          <a:effectRef idx="0">
+            <a:schemeClr val="accent6"/>
+          </a:effectRef>
+          <a:fontRef idx="minor">
+            <a:schemeClr val="lt1"/>
+          </a:fontRef>
+        </p:style>
+      </p:cxnSp>
+      <p:sp>
+        <p:nvSpPr>
+          <p:cNvPr id="102" name="TextBox 101"/>
+          <p:cNvSpPr txBox="1"/>
+          <p:nvPr/>
+        </p:nvSpPr>
+        <p:spPr>
+          <a:xfrm>
+            <a:off x="4800600" y="2179218"/>
+            <a:ext cx="685800" cy="400110"/>
+          </a:xfrm>
+          <a:prstGeom prst="rect">
+            <a:avLst/>
+          </a:prstGeom>
+          <a:noFill/>
+        </p:spPr>
+        <p:txBody>
+          <a:bodyPr wrap="square" rtlCol="0">
+            <a:spAutoFit/>
           </a:bodyPr>
           <a:lstStyle/>
           <a:p>
             <a:r>
-              <a:rPr lang="en-US" dirty="0" smtClean="0"/>
-              <a:t>Collection of Job </a:t>
-            </a:r>
-            <a:r>
-              <a:rPr lang="en-US" dirty="0" smtClean="0"/>
-              <a:t>subclasses and Job Group subclasses.</a:t>
-            </a:r>
-            <a:endParaRPr lang="en-US" dirty="0" smtClean="0"/>
-          </a:p>
-          <a:p>
-            <a:r>
-              <a:rPr lang="en-US" dirty="0" smtClean="0"/>
-              <a:t>One job consists of 1+ commands.</a:t>
-            </a:r>
-          </a:p>
-          <a:p>
-            <a:pPr lvl="1"/>
-            <a:r>
-              <a:rPr lang="en-US" dirty="0" smtClean="0"/>
-              <a:t>When the job fails, any commands executed will be undone.</a:t>
-            </a:r>
-          </a:p>
-          <a:p>
-            <a:pPr lvl="1"/>
-            <a:r>
-              <a:rPr lang="en-US" dirty="0" smtClean="0"/>
-              <a:t>Failed jobs are marked as failed and stays in the queue.</a:t>
-            </a:r>
-          </a:p>
-          <a:p>
-            <a:r>
-              <a:rPr lang="en-US" dirty="0" smtClean="0"/>
-              <a:t>One Job Queue Service can have multiple Job Libraries</a:t>
-            </a:r>
-          </a:p>
-          <a:p>
-            <a:pPr lvl="1"/>
-            <a:r>
-              <a:rPr lang="en-US" dirty="0" smtClean="0"/>
-              <a:t>Libraries are scanned to find the owner of the </a:t>
-            </a:r>
-            <a:r>
-              <a:rPr lang="en-US" dirty="0" smtClean="0"/>
-              <a:t>job.</a:t>
-            </a:r>
-          </a:p>
-          <a:p>
-            <a:pPr lvl="1"/>
-            <a:endParaRPr lang="en-US" dirty="0" smtClean="0"/>
+              <a:rPr lang="en-US" sz="1000" dirty="0" smtClean="0"/>
+              <a:t>Reads  from</a:t>
+            </a:r>
+            <a:endParaRPr lang="en-US" sz="1000" dirty="0"/>
+          </a:p>
+        </p:txBody>
+      </p:sp>
+      <p:sp>
+        <p:nvSpPr>
+          <p:cNvPr id="103" name="TextBox 102"/>
+          <p:cNvSpPr txBox="1"/>
+          <p:nvPr/>
+        </p:nvSpPr>
+        <p:spPr>
+          <a:xfrm>
+            <a:off x="6858000" y="2496979"/>
+            <a:ext cx="533400" cy="400110"/>
+          </a:xfrm>
+          <a:prstGeom prst="rect">
+            <a:avLst/>
+          </a:prstGeom>
+          <a:noFill/>
+        </p:spPr>
+        <p:txBody>
+          <a:bodyPr wrap="square" rtlCol="0">
+            <a:spAutoFit/>
+          </a:bodyPr>
+          <a:lstStyle/>
+          <a:p>
+            <a:r>
+              <a:rPr lang="en-US" sz="1000" dirty="0" smtClean="0"/>
+              <a:t>Writes to</a:t>
+            </a:r>
+            <a:endParaRPr lang="en-US" sz="1000" dirty="0"/>
+          </a:p>
+        </p:txBody>
+      </p:sp>
+      <p:sp>
+        <p:nvSpPr>
+          <p:cNvPr id="104" name="TextBox 103"/>
+          <p:cNvSpPr txBox="1"/>
+          <p:nvPr/>
+        </p:nvSpPr>
+        <p:spPr>
+          <a:xfrm>
+            <a:off x="6281056" y="3356950"/>
+            <a:ext cx="685800" cy="246221"/>
+          </a:xfrm>
+          <a:prstGeom prst="rect">
+            <a:avLst/>
+          </a:prstGeom>
+          <a:noFill/>
+        </p:spPr>
+        <p:txBody>
+          <a:bodyPr wrap="square" rtlCol="0">
+            <a:spAutoFit/>
+          </a:bodyPr>
+          <a:lstStyle/>
+          <a:p>
+            <a:r>
+              <a:rPr lang="en-US" sz="1000" dirty="0" smtClean="0"/>
+              <a:t>executes</a:t>
+            </a:r>
+            <a:endParaRPr lang="en-US" sz="1000" dirty="0"/>
+          </a:p>
+        </p:txBody>
+      </p:sp>
+      <p:sp>
+        <p:nvSpPr>
+          <p:cNvPr id="108" name="Flowchart: Connector 107"/>
+          <p:cNvSpPr/>
+          <p:nvPr/>
+        </p:nvSpPr>
+        <p:spPr>
+          <a:xfrm>
+            <a:off x="495300" y="6286500"/>
+            <a:ext cx="304800" cy="304800"/>
+          </a:xfrm>
+          <a:prstGeom prst="flowChartConnector">
+            <a:avLst/>
+          </a:prstGeom>
+        </p:spPr>
+        <p:style>
+          <a:lnRef idx="2">
+            <a:schemeClr val="accent6"/>
+          </a:lnRef>
+          <a:fillRef idx="1">
+            <a:schemeClr val="lt1"/>
+          </a:fillRef>
+          <a:effectRef idx="0">
+            <a:schemeClr val="accent6"/>
+          </a:effectRef>
+          <a:fontRef idx="minor">
+            <a:schemeClr val="dk1"/>
+          </a:fontRef>
+        </p:style>
+        <p:txBody>
+          <a:bodyPr rtlCol="0" anchor="ctr"/>
+          <a:lstStyle/>
+          <a:p>
+            <a:pPr algn="ctr"/>
+            <a:endParaRPr lang="en-US"/>
+          </a:p>
+        </p:txBody>
+      </p:sp>
+      <p:sp>
+        <p:nvSpPr>
+          <p:cNvPr id="109" name="TextBox 108"/>
+          <p:cNvSpPr txBox="1"/>
+          <p:nvPr/>
+        </p:nvSpPr>
+        <p:spPr>
+          <a:xfrm>
+            <a:off x="805542" y="6270172"/>
+            <a:ext cx="2400300" cy="338554"/>
+          </a:xfrm>
+          <a:prstGeom prst="rect">
+            <a:avLst/>
+          </a:prstGeom>
+          <a:noFill/>
+        </p:spPr>
+        <p:txBody>
+          <a:bodyPr wrap="square" rtlCol="0">
+            <a:spAutoFit/>
+          </a:bodyPr>
+          <a:lstStyle/>
+          <a:p>
+            <a:r>
+              <a:rPr lang="en-US" sz="1600" dirty="0" err="1" smtClean="0"/>
+              <a:t>JobManager</a:t>
+            </a:r>
+            <a:r>
+              <a:rPr lang="en-US" sz="1600" dirty="0" smtClean="0"/>
+              <a:t> web service</a:t>
+            </a:r>
+            <a:endParaRPr lang="en-US" sz="1600" dirty="0"/>
+          </a:p>
+        </p:txBody>
+      </p:sp>
+      <p:sp>
+        <p:nvSpPr>
+          <p:cNvPr id="51" name="Oval 50"/>
+          <p:cNvSpPr/>
+          <p:nvPr/>
+        </p:nvSpPr>
+        <p:spPr>
+          <a:xfrm>
+            <a:off x="1333500" y="2590800"/>
+            <a:ext cx="342900" cy="337456"/>
+          </a:xfrm>
+          <a:prstGeom prst="ellipse">
+            <a:avLst/>
+          </a:prstGeom>
+        </p:spPr>
+        <p:style>
+          <a:lnRef idx="2">
+            <a:schemeClr val="accent3"/>
+          </a:lnRef>
+          <a:fillRef idx="1">
+            <a:schemeClr val="lt1"/>
+          </a:fillRef>
+          <a:effectRef idx="0">
+            <a:schemeClr val="accent3"/>
+          </a:effectRef>
+          <a:fontRef idx="minor">
+            <a:schemeClr val="dk1"/>
+          </a:fontRef>
+        </p:style>
+        <p:txBody>
+          <a:bodyPr rtlCol="0" anchor="ctr"/>
+          <a:lstStyle/>
+          <a:p>
+            <a:pPr algn="ctr"/>
+            <a:r>
+              <a:rPr lang="en-US" sz="1200" dirty="0" smtClean="0"/>
+              <a:t>1</a:t>
+            </a:r>
+            <a:endParaRPr lang="en-US" sz="1200" dirty="0"/>
+          </a:p>
+        </p:txBody>
+      </p:sp>
+      <p:sp>
+        <p:nvSpPr>
+          <p:cNvPr id="53" name="Oval 52"/>
+          <p:cNvSpPr/>
+          <p:nvPr/>
+        </p:nvSpPr>
+        <p:spPr>
+          <a:xfrm>
+            <a:off x="2552700" y="4495800"/>
+            <a:ext cx="342900" cy="337456"/>
+          </a:xfrm>
+          <a:prstGeom prst="ellipse">
+            <a:avLst/>
+          </a:prstGeom>
+        </p:spPr>
+        <p:style>
+          <a:lnRef idx="2">
+            <a:schemeClr val="accent3"/>
+          </a:lnRef>
+          <a:fillRef idx="1">
+            <a:schemeClr val="lt1"/>
+          </a:fillRef>
+          <a:effectRef idx="0">
+            <a:schemeClr val="accent3"/>
+          </a:effectRef>
+          <a:fontRef idx="minor">
+            <a:schemeClr val="dk1"/>
+          </a:fontRef>
+        </p:style>
+        <p:txBody>
+          <a:bodyPr rtlCol="0" anchor="ctr"/>
+          <a:lstStyle/>
+          <a:p>
+            <a:pPr algn="ctr"/>
+            <a:r>
+              <a:rPr lang="en-US" sz="1200" dirty="0" smtClean="0"/>
+              <a:t>2</a:t>
+            </a:r>
+            <a:endParaRPr lang="en-US" sz="1200" dirty="0"/>
+          </a:p>
+        </p:txBody>
+      </p:sp>
+      <p:sp>
+        <p:nvSpPr>
+          <p:cNvPr id="54" name="Oval 53"/>
+          <p:cNvSpPr/>
+          <p:nvPr/>
+        </p:nvSpPr>
+        <p:spPr>
+          <a:xfrm>
+            <a:off x="1333500" y="3276600"/>
+            <a:ext cx="342900" cy="337456"/>
+          </a:xfrm>
+          <a:prstGeom prst="ellipse">
+            <a:avLst/>
+          </a:prstGeom>
+        </p:spPr>
+        <p:style>
+          <a:lnRef idx="2">
+            <a:schemeClr val="accent3"/>
+          </a:lnRef>
+          <a:fillRef idx="1">
+            <a:schemeClr val="lt1"/>
+          </a:fillRef>
+          <a:effectRef idx="0">
+            <a:schemeClr val="accent3"/>
+          </a:effectRef>
+          <a:fontRef idx="minor">
+            <a:schemeClr val="dk1"/>
+          </a:fontRef>
+        </p:style>
+        <p:txBody>
+          <a:bodyPr rtlCol="0" anchor="ctr"/>
+          <a:lstStyle/>
+          <a:p>
+            <a:pPr algn="ctr"/>
+            <a:r>
+              <a:rPr lang="en-US" sz="1200" dirty="0"/>
+              <a:t>4</a:t>
+            </a:r>
+          </a:p>
+        </p:txBody>
+      </p:sp>
+      <p:sp>
+        <p:nvSpPr>
+          <p:cNvPr id="55" name="Oval 54"/>
+          <p:cNvSpPr/>
+          <p:nvPr/>
+        </p:nvSpPr>
+        <p:spPr>
+          <a:xfrm>
+            <a:off x="2806700" y="4495800"/>
+            <a:ext cx="342900" cy="337456"/>
+          </a:xfrm>
+          <a:prstGeom prst="ellipse">
+            <a:avLst/>
+          </a:prstGeom>
+        </p:spPr>
+        <p:style>
+          <a:lnRef idx="2">
+            <a:schemeClr val="accent3"/>
+          </a:lnRef>
+          <a:fillRef idx="1">
+            <a:schemeClr val="lt1"/>
+          </a:fillRef>
+          <a:effectRef idx="0">
+            <a:schemeClr val="accent3"/>
+          </a:effectRef>
+          <a:fontRef idx="minor">
+            <a:schemeClr val="dk1"/>
+          </a:fontRef>
+        </p:style>
+        <p:txBody>
+          <a:bodyPr rtlCol="0" anchor="ctr"/>
+          <a:lstStyle/>
+          <a:p>
+            <a:pPr algn="ctr"/>
+            <a:r>
+              <a:rPr lang="en-US" sz="1200" dirty="0"/>
+              <a:t>5</a:t>
+            </a:r>
+          </a:p>
+        </p:txBody>
+      </p:sp>
+      <p:sp>
+        <p:nvSpPr>
+          <p:cNvPr id="56" name="Oval 55"/>
+          <p:cNvSpPr/>
+          <p:nvPr/>
+        </p:nvSpPr>
+        <p:spPr>
+          <a:xfrm>
+            <a:off x="1333500" y="4005944"/>
+            <a:ext cx="342900" cy="337456"/>
+          </a:xfrm>
+          <a:prstGeom prst="ellipse">
+            <a:avLst/>
+          </a:prstGeom>
+        </p:spPr>
+        <p:style>
+          <a:lnRef idx="2">
+            <a:schemeClr val="accent3"/>
+          </a:lnRef>
+          <a:fillRef idx="1">
+            <a:schemeClr val="lt1"/>
+          </a:fillRef>
+          <a:effectRef idx="0">
+            <a:schemeClr val="accent3"/>
+          </a:effectRef>
+          <a:fontRef idx="minor">
+            <a:schemeClr val="dk1"/>
+          </a:fontRef>
+        </p:style>
+        <p:txBody>
+          <a:bodyPr rtlCol="0" anchor="ctr"/>
+          <a:lstStyle/>
+          <a:p>
+            <a:pPr algn="ctr"/>
+            <a:r>
+              <a:rPr lang="en-US" sz="1200" dirty="0" smtClean="0"/>
+              <a:t>7</a:t>
+            </a:r>
+            <a:endParaRPr lang="en-US" sz="1200" dirty="0"/>
+          </a:p>
+        </p:txBody>
+      </p:sp>
+      <p:sp>
+        <p:nvSpPr>
+          <p:cNvPr id="57" name="Oval 56"/>
+          <p:cNvSpPr/>
+          <p:nvPr/>
+        </p:nvSpPr>
+        <p:spPr>
+          <a:xfrm>
+            <a:off x="3086100" y="4495800"/>
+            <a:ext cx="342900" cy="337456"/>
+          </a:xfrm>
+          <a:prstGeom prst="ellipse">
+            <a:avLst/>
+          </a:prstGeom>
+        </p:spPr>
+        <p:style>
+          <a:lnRef idx="2">
+            <a:schemeClr val="accent3"/>
+          </a:lnRef>
+          <a:fillRef idx="1">
+            <a:schemeClr val="lt1"/>
+          </a:fillRef>
+          <a:effectRef idx="0">
+            <a:schemeClr val="accent3"/>
+          </a:effectRef>
+          <a:fontRef idx="minor">
+            <a:schemeClr val="dk1"/>
+          </a:fontRef>
+        </p:style>
+        <p:txBody>
+          <a:bodyPr rtlCol="0" anchor="ctr"/>
+          <a:lstStyle/>
+          <a:p>
+            <a:pPr algn="ctr"/>
+            <a:r>
+              <a:rPr lang="en-US" sz="1200" dirty="0" smtClean="0"/>
+              <a:t>8</a:t>
+            </a:r>
+            <a:endParaRPr lang="en-US" sz="1200" dirty="0"/>
+          </a:p>
+        </p:txBody>
+      </p:sp>
+      <p:sp>
+        <p:nvSpPr>
+          <p:cNvPr id="61" name="Oval 60"/>
+          <p:cNvSpPr/>
+          <p:nvPr/>
+        </p:nvSpPr>
+        <p:spPr>
+          <a:xfrm>
+            <a:off x="5905500" y="1524000"/>
+            <a:ext cx="342900" cy="337456"/>
+          </a:xfrm>
+          <a:prstGeom prst="ellipse">
+            <a:avLst/>
+          </a:prstGeom>
+        </p:spPr>
+        <p:style>
+          <a:lnRef idx="2">
+            <a:schemeClr val="accent3"/>
+          </a:lnRef>
+          <a:fillRef idx="1">
+            <a:schemeClr val="lt1"/>
+          </a:fillRef>
+          <a:effectRef idx="0">
+            <a:schemeClr val="accent3"/>
+          </a:effectRef>
+          <a:fontRef idx="minor">
+            <a:schemeClr val="dk1"/>
+          </a:fontRef>
+        </p:style>
+        <p:txBody>
+          <a:bodyPr rtlCol="0" anchor="ctr"/>
+          <a:lstStyle/>
+          <a:p>
+            <a:pPr algn="ctr"/>
+            <a:r>
+              <a:rPr lang="en-US" sz="1200" dirty="0" smtClean="0"/>
+              <a:t>3</a:t>
+            </a:r>
+            <a:endParaRPr lang="en-US" sz="1200" dirty="0"/>
+          </a:p>
+        </p:txBody>
+      </p:sp>
+      <p:sp>
+        <p:nvSpPr>
+          <p:cNvPr id="62" name="Oval 61"/>
+          <p:cNvSpPr/>
+          <p:nvPr/>
+        </p:nvSpPr>
+        <p:spPr>
+          <a:xfrm>
+            <a:off x="6159500" y="1524000"/>
+            <a:ext cx="342900" cy="337456"/>
+          </a:xfrm>
+          <a:prstGeom prst="ellipse">
+            <a:avLst/>
+          </a:prstGeom>
+        </p:spPr>
+        <p:style>
+          <a:lnRef idx="2">
+            <a:schemeClr val="accent3"/>
+          </a:lnRef>
+          <a:fillRef idx="1">
+            <a:schemeClr val="lt1"/>
+          </a:fillRef>
+          <a:effectRef idx="0">
+            <a:schemeClr val="accent3"/>
+          </a:effectRef>
+          <a:fontRef idx="minor">
+            <a:schemeClr val="dk1"/>
+          </a:fontRef>
+        </p:style>
+        <p:txBody>
+          <a:bodyPr rtlCol="0" anchor="ctr"/>
+          <a:lstStyle/>
+          <a:p>
+            <a:pPr algn="ctr"/>
+            <a:r>
+              <a:rPr lang="en-US" sz="1200" dirty="0" smtClean="0"/>
+              <a:t>6</a:t>
+            </a:r>
+            <a:endParaRPr lang="en-US" sz="1200" dirty="0"/>
+          </a:p>
+        </p:txBody>
+      </p:sp>
+      <p:sp>
+        <p:nvSpPr>
+          <p:cNvPr id="68" name="Oval 67"/>
+          <p:cNvSpPr/>
+          <p:nvPr/>
+        </p:nvSpPr>
+        <p:spPr>
+          <a:xfrm>
+            <a:off x="6438900" y="1524000"/>
+            <a:ext cx="342900" cy="337456"/>
+          </a:xfrm>
+          <a:prstGeom prst="ellipse">
+            <a:avLst/>
+          </a:prstGeom>
+        </p:spPr>
+        <p:style>
+          <a:lnRef idx="2">
+            <a:schemeClr val="accent3"/>
+          </a:lnRef>
+          <a:fillRef idx="1">
+            <a:schemeClr val="lt1"/>
+          </a:fillRef>
+          <a:effectRef idx="0">
+            <a:schemeClr val="accent3"/>
+          </a:effectRef>
+          <a:fontRef idx="minor">
+            <a:schemeClr val="dk1"/>
+          </a:fontRef>
+        </p:style>
+        <p:txBody>
+          <a:bodyPr rtlCol="0" anchor="ctr"/>
+          <a:lstStyle/>
+          <a:p>
+            <a:pPr algn="ctr"/>
+            <a:r>
+              <a:rPr lang="en-US" sz="1200" dirty="0" smtClean="0"/>
+              <a:t>9</a:t>
+            </a:r>
+            <a:endParaRPr lang="en-US" sz="1200" dirty="0"/>
           </a:p>
         </p:txBody>
       </p:sp>
     </p:spTree>
     <p:extLst>
       <p:ext uri="{BB962C8B-B14F-4D97-AF65-F5344CB8AC3E}">
-        <p14:creationId xmlns:p14="http://schemas.microsoft.com/office/powerpoint/2010/main" val="3416879481"/>
+        <p14:creationId xmlns:p14="http://schemas.microsoft.com/office/powerpoint/2010/main" val="2220357998"/>
       </p:ext>
     </p:extLst>
   </p:cSld>
@@ -6774,7 +7882,7 @@
           <a:p>
             <a:r>
               <a:rPr lang="en-US" dirty="0" smtClean="0"/>
-              <a:t>Job Manager Service</a:t>
+              <a:t>Job Library</a:t>
             </a:r>
             <a:endParaRPr lang="en-US" dirty="0"/>
           </a:p>
@@ -6792,64 +7900,59 @@
         </p:nvSpPr>
         <p:spPr/>
         <p:txBody>
-          <a:bodyPr/>
+          <a:bodyPr>
+            <a:normAutofit fontScale="92500" lnSpcReduction="10000"/>
+          </a:bodyPr>
           <a:lstStyle/>
           <a:p>
             <a:r>
               <a:rPr lang="en-US" dirty="0" smtClean="0"/>
-              <a:t>Provides web service API to control the job queue</a:t>
+              <a:t>Collection of Job subclasses and Job Group subclasses.</a:t>
+            </a:r>
+          </a:p>
+          <a:p>
+            <a:r>
+              <a:rPr lang="en-US" dirty="0" smtClean="0"/>
+              <a:t>One job consists of 1+ commands.</a:t>
             </a:r>
           </a:p>
           <a:p>
             <a:pPr lvl="1"/>
             <a:r>
               <a:rPr lang="en-US" dirty="0" smtClean="0"/>
-              <a:t>Start or Stop Job Execution Service</a:t>
+              <a:t>When the job fails, any commands executed will be undone.</a:t>
             </a:r>
           </a:p>
           <a:p>
             <a:pPr lvl="1"/>
             <a:r>
               <a:rPr lang="en-US" dirty="0" smtClean="0"/>
-              <a:t>Clear Job Queue</a:t>
+              <a:t>Failed jobs are marked as failed and stays in the queue.</a:t>
+            </a:r>
+          </a:p>
+          <a:p>
+            <a:r>
+              <a:rPr lang="en-US" dirty="0" smtClean="0"/>
+              <a:t>One Job Queue Service can have multiple Job Libraries</a:t>
             </a:r>
           </a:p>
           <a:p>
             <a:pPr lvl="1"/>
             <a:r>
               <a:rPr lang="en-US" dirty="0" smtClean="0"/>
-              <a:t>Insert job (returns Job Id</a:t>
-            </a:r>
-            <a:r>
-              <a:rPr lang="en-US" dirty="0" smtClean="0"/>
-              <a:t>) or Job Group (</a:t>
-            </a:r>
-            <a:r>
-              <a:rPr lang="en-US" smtClean="0"/>
-              <a:t>returns array of Job Ids)</a:t>
-            </a:r>
+              <a:t>Libraries are scanned to find the owner of the job.</a:t>
+            </a:r>
+          </a:p>
+          <a:p>
+            <a:pPr lvl="1"/>
             <a:endParaRPr lang="en-US" dirty="0" smtClean="0"/>
-          </a:p>
-          <a:p>
-            <a:pPr lvl="1"/>
-            <a:r>
-              <a:rPr lang="en-US" dirty="0" smtClean="0"/>
-              <a:t>Check job status by Job Id</a:t>
-            </a:r>
-          </a:p>
-          <a:p>
-            <a:pPr lvl="1"/>
-            <a:r>
-              <a:rPr lang="en-US" dirty="0" smtClean="0"/>
-              <a:t>Check Job Execution Service status</a:t>
-            </a:r>
           </a:p>
         </p:txBody>
       </p:sp>
     </p:spTree>
     <p:extLst>
       <p:ext uri="{BB962C8B-B14F-4D97-AF65-F5344CB8AC3E}">
-        <p14:creationId xmlns:p14="http://schemas.microsoft.com/office/powerpoint/2010/main" val="1194469974"/>
+        <p14:creationId xmlns:p14="http://schemas.microsoft.com/office/powerpoint/2010/main" val="3416879481"/>
       </p:ext>
     </p:extLst>
   </p:cSld>
@@ -6900,7 +8003,7 @@
           <a:p>
             <a:r>
               <a:rPr lang="en-US" dirty="0" smtClean="0"/>
-              <a:t>Job Execution Service</a:t>
+              <a:t>Job Manager Service</a:t>
             </a:r>
             <a:endParaRPr lang="en-US" dirty="0"/>
           </a:p>
@@ -6923,27 +8026,68 @@
           <a:p>
             <a:r>
               <a:rPr lang="en-US" dirty="0" smtClean="0"/>
-              <a:t>Monitors Job Queue and executes any jobs queued</a:t>
-            </a:r>
-          </a:p>
-          <a:p>
+              <a:t>Provides web service API to control the job queue</a:t>
+            </a:r>
+          </a:p>
+          <a:p>
+            <a:pPr lvl="1"/>
+            <a:r>
+              <a:rPr lang="en-US" dirty="0" smtClean="0"/>
+              <a:t>Start or Stop Job Execution Service</a:t>
+            </a:r>
+          </a:p>
+          <a:p>
+            <a:pPr lvl="1"/>
+            <a:r>
+              <a:rPr lang="en-US" dirty="0" smtClean="0"/>
+              <a:t>Clear Job Queue</a:t>
+            </a:r>
+          </a:p>
+          <a:p>
+            <a:pPr lvl="1"/>
+            <a:r>
+              <a:rPr lang="en-US" dirty="0" smtClean="0"/>
+              <a:t>Insert job (returns Job Id) or Job Group (</a:t>
+            </a:r>
+            <a:r>
+              <a:rPr lang="en-US" smtClean="0"/>
+              <a:t>returns array of Job Ids)</a:t>
+            </a:r>
             <a:endParaRPr lang="en-US" dirty="0" smtClean="0"/>
           </a:p>
           <a:p>
-            <a:endParaRPr lang="en-US" dirty="0"/>
+            <a:pPr lvl="1"/>
+            <a:r>
+              <a:rPr lang="en-US" dirty="0" smtClean="0"/>
+              <a:t>Check job status by Job Id</a:t>
+            </a:r>
+          </a:p>
+          <a:p>
+            <a:pPr lvl="1"/>
+            <a:r>
+              <a:rPr lang="en-US" dirty="0" smtClean="0"/>
+              <a:t>Check Job Execution Service status</a:t>
+            </a:r>
           </a:p>
         </p:txBody>
       </p:sp>
     </p:spTree>
     <p:extLst>
       <p:ext uri="{BB962C8B-B14F-4D97-AF65-F5344CB8AC3E}">
-        <p14:creationId xmlns:p14="http://schemas.microsoft.com/office/powerpoint/2010/main" val="2968080721"/>
+        <p14:creationId xmlns:p14="http://schemas.microsoft.com/office/powerpoint/2010/main" val="1194469974"/>
       </p:ext>
     </p:extLst>
   </p:cSld>
   <p:clrMapOvr>
     <a:masterClrMapping/>
   </p:clrMapOvr>
+  <p:timing>
+    <p:tnLst>
+      <p:par>
+        <p:cTn id="1" dur="indefinite" restart="never" nodeType="tmRoot"/>
+      </p:par>
+    </p:tnLst>
+  </p:timing>
 </p:sld>
 </file>
 
@@ -6981,7 +8125,7 @@
           <a:p>
             <a:r>
               <a:rPr lang="en-US" dirty="0" smtClean="0"/>
-              <a:t>Job Library</a:t>
+              <a:t>Job Execution Service</a:t>
             </a:r>
             <a:endParaRPr lang="en-US" dirty="0"/>
           </a:p>
@@ -6999,96 +8143,26 @@
         </p:nvSpPr>
         <p:spPr/>
         <p:txBody>
-          <a:bodyPr>
-            <a:normAutofit/>
-          </a:bodyPr>
+          <a:bodyPr/>
           <a:lstStyle/>
           <a:p>
             <a:r>
               <a:rPr lang="en-US" dirty="0" smtClean="0"/>
-              <a:t>DLL that has actual execution code</a:t>
-            </a:r>
-          </a:p>
-          <a:p>
-            <a:r>
-              <a:rPr lang="en-US" dirty="0" err="1" smtClean="0"/>
-              <a:t>SqlJobExtension</a:t>
-            </a:r>
-            <a:r>
-              <a:rPr lang="en-US" dirty="0" smtClean="0"/>
-              <a:t> for </a:t>
-            </a:r>
-            <a:r>
-              <a:rPr lang="en-US" dirty="0" err="1" smtClean="0"/>
-              <a:t>SqlJob</a:t>
-            </a:r>
-            <a:r>
-              <a:rPr lang="en-US" dirty="0" smtClean="0"/>
-              <a:t> </a:t>
-            </a:r>
-            <a:r>
-              <a:rPr lang="en-US" dirty="0" err="1" smtClean="0"/>
-              <a:t>subclassing</a:t>
-            </a:r>
+              <a:t>Monitors Job Queue and executes any jobs queued</a:t>
+            </a:r>
+          </a:p>
+          <a:p>
             <a:endParaRPr lang="en-US" dirty="0" smtClean="0"/>
           </a:p>
           <a:p>
-            <a:pPr lvl="1"/>
-            <a:r>
-              <a:rPr lang="en-US" dirty="0" smtClean="0"/>
-              <a:t>SQL statements can be retrieved from SQL text file embedded as Resources in the library project.</a:t>
-            </a:r>
-          </a:p>
-          <a:p>
-            <a:pPr lvl="1"/>
-            <a:r>
-              <a:rPr lang="en-US" sz="2400" dirty="0" err="1" smtClean="0">
-                <a:latin typeface="Courier New" pitchFamily="49" charset="0"/>
-                <a:cs typeface="Courier New" pitchFamily="49" charset="0"/>
-              </a:rPr>
-              <a:t>ConnectionString</a:t>
-            </a:r>
-            <a:r>
-              <a:rPr lang="en-US" dirty="0" smtClean="0"/>
-              <a:t> app setting by default – </a:t>
-            </a:r>
-            <a:r>
-              <a:rPr lang="en-US" dirty="0" err="1" smtClean="0"/>
-              <a:t>SqlJob</a:t>
-            </a:r>
-            <a:r>
-              <a:rPr lang="en-US" dirty="0" smtClean="0"/>
-              <a:t> can override </a:t>
-            </a:r>
-            <a:r>
-              <a:rPr lang="en-US" sz="2400" dirty="0" err="1" smtClean="0">
-                <a:latin typeface="Courier New" pitchFamily="49" charset="0"/>
-                <a:cs typeface="Courier New" pitchFamily="49" charset="0"/>
-              </a:rPr>
-              <a:t>ConnectionStringKey</a:t>
-            </a:r>
-            <a:r>
-              <a:rPr lang="en-US" dirty="0" smtClean="0"/>
-              <a:t> to use different app setting.</a:t>
-            </a:r>
-          </a:p>
-          <a:p>
-            <a:pPr lvl="1"/>
-            <a:r>
-              <a:rPr lang="en-US" dirty="0" err="1" smtClean="0"/>
-              <a:t>SqlJob</a:t>
-            </a:r>
-            <a:r>
-              <a:rPr lang="en-US" dirty="0" smtClean="0"/>
-              <a:t> subclasses can define parameters.</a:t>
-            </a:r>
+            <a:endParaRPr lang="en-US" dirty="0"/>
           </a:p>
         </p:txBody>
       </p:sp>
     </p:spTree>
     <p:extLst>
       <p:ext uri="{BB962C8B-B14F-4D97-AF65-F5344CB8AC3E}">
-        <p14:creationId xmlns:p14="http://schemas.microsoft.com/office/powerpoint/2010/main" val="56294744"/>
+        <p14:creationId xmlns:p14="http://schemas.microsoft.com/office/powerpoint/2010/main" val="2968080721"/>
       </p:ext>
     </p:extLst>
   </p:cSld>
@@ -7132,7 +8206,7 @@
           <a:p>
             <a:r>
               <a:rPr lang="en-US" dirty="0" smtClean="0"/>
-              <a:t>Developing Job Library</a:t>
+              <a:t>Job Library</a:t>
             </a:r>
             <a:endParaRPr lang="en-US" dirty="0"/>
           </a:p>
@@ -7150,43 +8224,96 @@
         </p:nvSpPr>
         <p:spPr/>
         <p:txBody>
-          <a:bodyPr/>
+          <a:bodyPr>
+            <a:normAutofit/>
+          </a:bodyPr>
           <a:lstStyle/>
           <a:p>
             <a:r>
               <a:rPr lang="en-US" dirty="0" smtClean="0"/>
-              <a:t>Instead of testing it through the Job Execution Service, you can have hosting application that calls </a:t>
-            </a:r>
+              <a:t>DLL that has actual execution code</a:t>
+            </a:r>
+          </a:p>
+          <a:p>
             <a:r>
               <a:rPr lang="en-US" dirty="0" err="1" smtClean="0"/>
-              <a:t>Job.Execute</a:t>
+              <a:t>SqlJobExtension</a:t>
             </a:r>
             <a:r>
               <a:rPr lang="en-US" dirty="0" smtClean="0"/>
-              <a:t>() method directly.</a:t>
-            </a:r>
-          </a:p>
-          <a:p>
+              <a:t> for </a:t>
+            </a:r>
+            <a:r>
+              <a:rPr lang="en-US" dirty="0" err="1" smtClean="0"/>
+              <a:t>SqlJob</a:t>
+            </a:r>
             <a:r>
               <a:rPr lang="en-US" dirty="0" smtClean="0"/>
-              <a:t>Check out </a:t>
+              <a:t> </a:t>
             </a:r>
             <a:r>
               <a:rPr lang="en-US" dirty="0" err="1" smtClean="0"/>
-              <a:t>SampleJobLibraryTest</a:t>
-            </a:r>
+              <a:t>subclassing</a:t>
+            </a:r>
+            <a:endParaRPr lang="en-US" dirty="0" smtClean="0"/>
+          </a:p>
+          <a:p>
+            <a:pPr lvl="1"/>
             <a:r>
               <a:rPr lang="en-US" dirty="0" smtClean="0"/>
-              <a:t> solution.</a:t>
-            </a:r>
-            <a:endParaRPr lang="en-US" dirty="0"/>
+              <a:t>SQL statements can be retrieved from SQL text file embedded as Resources in the library project.</a:t>
+            </a:r>
+          </a:p>
+          <a:p>
+            <a:pPr lvl="1"/>
+            <a:r>
+              <a:rPr lang="en-US" sz="2400" dirty="0" err="1" smtClean="0">
+                <a:latin typeface="Courier New" pitchFamily="49" charset="0"/>
+                <a:cs typeface="Courier New" pitchFamily="49" charset="0"/>
+              </a:rPr>
+              <a:t>ConnectionString</a:t>
+            </a:r>
+            <a:r>
+              <a:rPr lang="en-US" dirty="0" smtClean="0"/>
+              <a:t> app setting by default – </a:t>
+            </a:r>
+            <a:r>
+              <a:rPr lang="en-US" dirty="0" err="1" smtClean="0"/>
+              <a:t>SqlJob</a:t>
+            </a:r>
+            <a:r>
+              <a:rPr lang="en-US" dirty="0" smtClean="0"/>
+              <a:t> can override </a:t>
+            </a:r>
+            <a:r>
+              <a:rPr lang="en-US" sz="2400" dirty="0" err="1" smtClean="0">
+                <a:latin typeface="Courier New" pitchFamily="49" charset="0"/>
+                <a:cs typeface="Courier New" pitchFamily="49" charset="0"/>
+              </a:rPr>
+              <a:t>ConnectionStringKey</a:t>
+            </a:r>
+            <a:r>
+              <a:rPr lang="en-US" dirty="0" smtClean="0"/>
+              <a:t> to use different app setting.</a:t>
+            </a:r>
+          </a:p>
+          <a:p>
+            <a:pPr lvl="1"/>
+            <a:r>
+              <a:rPr lang="en-US" dirty="0" err="1" smtClean="0"/>
+              <a:t>SqlJob</a:t>
+            </a:r>
+            <a:r>
+              <a:rPr lang="en-US" dirty="0" smtClean="0"/>
+              <a:t> subclasses can define parameters.</a:t>
+            </a:r>
           </a:p>
         </p:txBody>
       </p:sp>
     </p:spTree>
     <p:extLst>
       <p:ext uri="{BB962C8B-B14F-4D97-AF65-F5344CB8AC3E}">
-        <p14:creationId xmlns:p14="http://schemas.microsoft.com/office/powerpoint/2010/main" val="1107368880"/>
+        <p14:creationId xmlns:p14="http://schemas.microsoft.com/office/powerpoint/2010/main" val="56294744"/>
       </p:ext>
     </p:extLst>
   </p:cSld>
